--- a/기획 PPT 및 피드백/4조_final_project_기획_템플릿후.pptx
+++ b/기획 PPT 및 피드백/4조_final_project_기획_템플릿후.pptx
@@ -1554,7 +1554,7 @@
                 <a:ea typeface="맑은 고딕" pitchFamily="50" charset="-127"/>
               </a:rPr>
               <a:pPr/>
-              <a:t>2020-01-31</a:t>
+              <a:t>2020-03-28</a:t>
             </a:fld>
             <a:endParaRPr lang="ko-KR" altLang="en-US" dirty="0">
               <a:latin typeface="맑은 고딕" pitchFamily="50" charset="-127"/>
@@ -1733,7 +1733,7 @@
             <a:fld id="{62677E96-DA3B-46D9-8953-03187693C06C}" type="datetimeFigureOut">
               <a:rPr lang="ko-KR" altLang="en-US" smtClean="0"/>
               <a:pPr/>
-              <a:t>2020-01-31</a:t>
+              <a:t>2020-03-27</a:t>
             </a:fld>
             <a:endParaRPr lang="ko-KR" altLang="en-US"/>
           </a:p>
@@ -2679,13 +2679,6 @@
   <p:clrMapOvr>
     <a:masterClrMapping/>
   </p:clrMapOvr>
-  <p:timing>
-    <p:tnLst>
-      <p:par>
-        <p:cTn id="1" dur="indefinite" restart="never" nodeType="tmRoot"/>
-      </p:par>
-    </p:tnLst>
-  </p:timing>
 </p:sldLayout>
 </file>
 
@@ -3017,13 +3010,6 @@
   <p:clrMapOvr>
     <a:masterClrMapping/>
   </p:clrMapOvr>
-  <p:timing>
-    <p:tnLst>
-      <p:par>
-        <p:cTn id="1" dur="indefinite" restart="never" nodeType="tmRoot"/>
-      </p:par>
-    </p:tnLst>
-  </p:timing>
 </p:sldLayout>
 </file>
 
@@ -3177,13 +3163,6 @@
   <p:clrMapOvr>
     <a:masterClrMapping/>
   </p:clrMapOvr>
-  <p:timing>
-    <p:tnLst>
-      <p:par>
-        <p:cTn id="1" dur="indefinite" restart="never" nodeType="tmRoot"/>
-      </p:par>
-    </p:tnLst>
-  </p:timing>
 </p:sldLayout>
 </file>
 
@@ -3214,13 +3193,6 @@
   <p:clrMapOvr>
     <a:masterClrMapping/>
   </p:clrMapOvr>
-  <p:timing>
-    <p:tnLst>
-      <p:par>
-        <p:cTn id="1" dur="indefinite" restart="never" nodeType="tmRoot"/>
-      </p:par>
-    </p:tnLst>
-  </p:timing>
 </p:sldLayout>
 </file>
 
@@ -3640,13 +3612,6 @@
   <p:clrMapOvr>
     <a:masterClrMapping/>
   </p:clrMapOvr>
-  <p:timing>
-    <p:tnLst>
-      <p:par>
-        <p:cTn id="1" dur="indefinite" restart="never" nodeType="tmRoot"/>
-      </p:par>
-    </p:tnLst>
-  </p:timing>
 </p:sldLayout>
 </file>
 
@@ -3865,13 +3830,6 @@
   <p:clrMapOvr>
     <a:masterClrMapping/>
   </p:clrMapOvr>
-  <p:timing>
-    <p:tnLst>
-      <p:par>
-        <p:cTn id="1" dur="indefinite" restart="never" nodeType="tmRoot"/>
-      </p:par>
-    </p:tnLst>
-  </p:timing>
 </p:sldLayout>
 </file>
 
@@ -3986,13 +3944,6 @@
   <p:clrMapOvr>
     <a:masterClrMapping/>
   </p:clrMapOvr>
-  <p:timing>
-    <p:tnLst>
-      <p:par>
-        <p:cTn id="1" dur="indefinite" restart="never" nodeType="tmRoot"/>
-      </p:par>
-    </p:tnLst>
-  </p:timing>
 </p:sldLayout>
 </file>
 
@@ -4064,13 +4015,6 @@
   <p:clrMapOvr>
     <a:masterClrMapping/>
   </p:clrMapOvr>
-  <p:timing>
-    <p:tnLst>
-      <p:par>
-        <p:cTn id="1" dur="indefinite" restart="never" nodeType="tmRoot"/>
-      </p:par>
-    </p:tnLst>
-  </p:timing>
 </p:sldLayout>
 </file>
 
@@ -4115,13 +4059,6 @@
     <p:sldLayoutId id="2147483724" r:id="rId5"/>
     <p:sldLayoutId id="2147483751" r:id="rId6"/>
   </p:sldLayoutIdLst>
-  <p:timing>
-    <p:tnLst>
-      <p:par>
-        <p:cTn id="1" dur="indefinite" restart="never" nodeType="tmRoot"/>
-      </p:par>
-    </p:tnLst>
-  </p:timing>
   <p:hf hdr="0" ftr="0" dt="0"/>
   <p:txStyles>
     <p:titleStyle>
@@ -4440,13 +4377,6 @@
     <p:sldLayoutId id="2147483747" r:id="rId1"/>
     <p:sldLayoutId id="2147483748" r:id="rId2"/>
   </p:sldLayoutIdLst>
-  <p:timing>
-    <p:tnLst>
-      <p:par>
-        <p:cTn id="1" dur="indefinite" restart="never" nodeType="tmRoot"/>
-      </p:par>
-    </p:tnLst>
-  </p:timing>
   <p:hf hdr="0" ftr="0" dt="0"/>
   <p:txStyles>
     <p:titleStyle>
@@ -5216,7 +5146,7 @@
           <p:cNvPr id="20" name="TextBox 19">
             <a:extLst>
               <a:ext uri="{FF2B5EF4-FFF2-40B4-BE49-F238E27FC236}">
-                <a16:creationId xmlns:a16="http://schemas.microsoft.com/office/drawing/2014/main" xmlns="" id="{5191B7C8-3FAD-486A-8579-D0EF3AB1F3F7}"/>
+                <a16:creationId xmlns:a16="http://schemas.microsoft.com/office/drawing/2014/main" id="{5191B7C8-3FAD-486A-8579-D0EF3AB1F3F7}"/>
               </a:ext>
             </a:extLst>
           </p:cNvPr>
@@ -5337,7 +5267,7 @@
           <p:cNvPr id="21" name="TextBox 20">
             <a:extLst>
               <a:ext uri="{FF2B5EF4-FFF2-40B4-BE49-F238E27FC236}">
-                <a16:creationId xmlns:a16="http://schemas.microsoft.com/office/drawing/2014/main" xmlns="" id="{4292DB72-6D66-428C-B3E4-5D7E7B062215}"/>
+                <a16:creationId xmlns:a16="http://schemas.microsoft.com/office/drawing/2014/main" id="{4292DB72-6D66-428C-B3E4-5D7E7B062215}"/>
               </a:ext>
             </a:extLst>
           </p:cNvPr>
@@ -5540,13 +5470,6 @@
   <p:clrMapOvr>
     <a:masterClrMapping/>
   </p:clrMapOvr>
-  <p:timing>
-    <p:tnLst>
-      <p:par>
-        <p:cTn id="1" dur="indefinite" restart="never" nodeType="tmRoot"/>
-      </p:par>
-    </p:tnLst>
-  </p:timing>
 </p:sld>
 </file>
 
@@ -5676,7 +5599,7 @@
             <p:cNvPr id="12" name="TextBox 11">
               <a:extLst>
                 <a:ext uri="{FF2B5EF4-FFF2-40B4-BE49-F238E27FC236}">
-                  <a16:creationId xmlns:a16="http://schemas.microsoft.com/office/drawing/2014/main" xmlns="" id="{FADD5F63-4AF7-48AE-838F-1AA8156BB3C4}"/>
+                  <a16:creationId xmlns:a16="http://schemas.microsoft.com/office/drawing/2014/main" id="{FADD5F63-4AF7-48AE-838F-1AA8156BB3C4}"/>
                 </a:ext>
               </a:extLst>
             </p:cNvPr>
@@ -5716,7 +5639,7 @@
                 <a:buSzPct val="60000"/>
               </a:pPr>
               <a:r>
-                <a:rPr lang="ko-KR" altLang="en-US" sz="1500" b="1" spc="-60" dirty="0" err="1" smtClean="0">
+                <a:rPr lang="ko-KR" altLang="en-US" sz="1500" b="1" spc="-60" dirty="0" err="1">
                   <a:solidFill>
                     <a:schemeClr val="tx1">
                       <a:lumMod val="65000"/>
@@ -5727,7 +5650,7 @@
                 </a:rPr>
                 <a:t>친퀘테레</a:t>
               </a:r>
-              <a:endParaRPr lang="en-US" altLang="ko-KR" sz="1500" b="1" spc="-60" dirty="0" smtClean="0">
+              <a:endParaRPr lang="en-US" altLang="ko-KR" sz="1500" b="1" spc="-60" dirty="0">
                 <a:solidFill>
                   <a:schemeClr val="tx1">
                     <a:lumMod val="65000"/>
@@ -5751,7 +5674,7 @@
                 <a:buSzPct val="60000"/>
               </a:pPr>
               <a:r>
-                <a:rPr lang="ko-KR" altLang="en-US" sz="1500" b="1" spc="-60" dirty="0" smtClean="0">
+                <a:rPr lang="ko-KR" altLang="en-US" sz="1500" b="1" spc="-60" dirty="0">
                   <a:solidFill>
                     <a:schemeClr val="tx1">
                       <a:lumMod val="65000"/>
@@ -5763,7 +5686,7 @@
                 <a:t>추천 키워드 </a:t>
               </a:r>
               <a:r>
-                <a:rPr lang="en-US" altLang="ko-KR" sz="1500" b="1" spc="-60" dirty="0" smtClean="0">
+                <a:rPr lang="en-US" altLang="ko-KR" sz="1500" b="1" spc="-60" dirty="0">
                   <a:solidFill>
                     <a:schemeClr val="tx1">
                       <a:lumMod val="65000"/>
@@ -5775,7 +5698,7 @@
                 <a:t>: </a:t>
               </a:r>
               <a:r>
-                <a:rPr lang="ko-KR" altLang="en-US" sz="1500" b="1" spc="-60" dirty="0" smtClean="0">
+                <a:rPr lang="ko-KR" altLang="en-US" sz="1500" b="1" spc="-60" dirty="0">
                   <a:solidFill>
                     <a:schemeClr val="tx1">
                       <a:lumMod val="65000"/>
@@ -5787,7 +5710,7 @@
                 <a:t>휴양</a:t>
               </a:r>
               <a:r>
-                <a:rPr lang="en-US" altLang="ko-KR" sz="1500" b="1" spc="-60" dirty="0" smtClean="0">
+                <a:rPr lang="en-US" altLang="ko-KR" sz="1500" b="1" spc="-60" dirty="0">
                   <a:solidFill>
                     <a:schemeClr val="tx1">
                       <a:lumMod val="65000"/>
@@ -5799,7 +5722,7 @@
                 <a:t>, </a:t>
               </a:r>
               <a:r>
-                <a:rPr lang="ko-KR" altLang="en-US" sz="1500" b="1" spc="-60" dirty="0" smtClean="0">
+                <a:rPr lang="ko-KR" altLang="en-US" sz="1500" b="1" spc="-60" dirty="0">
                   <a:solidFill>
                     <a:schemeClr val="tx1">
                       <a:lumMod val="65000"/>
@@ -5834,7 +5757,7 @@
                 <a:buSzPct val="60000"/>
               </a:pPr>
               <a:r>
-                <a:rPr lang="ko-KR" altLang="en-US" sz="1500" b="1" spc="-60" dirty="0" smtClean="0">
+                <a:rPr lang="ko-KR" altLang="en-US" sz="1500" b="1" spc="-60" dirty="0">
                   <a:solidFill>
                     <a:schemeClr val="tx1">
                       <a:lumMod val="65000"/>
@@ -5846,7 +5769,7 @@
                 <a:t>추천 코스 </a:t>
               </a:r>
               <a:r>
-                <a:rPr lang="en-US" altLang="ko-KR" sz="1500" b="1" spc="-60" dirty="0" smtClean="0">
+                <a:rPr lang="en-US" altLang="ko-KR" sz="1500" b="1" spc="-60" dirty="0">
                   <a:solidFill>
                     <a:schemeClr val="tx1">
                       <a:lumMod val="65000"/>
@@ -5858,7 +5781,7 @@
                 <a:t>: </a:t>
               </a:r>
               <a:r>
-                <a:rPr lang="ko-KR" altLang="en-US" sz="1500" b="1" spc="-60" dirty="0" smtClean="0">
+                <a:rPr lang="ko-KR" altLang="en-US" sz="1500" b="1" spc="-60" dirty="0">
                   <a:solidFill>
                     <a:schemeClr val="tx1">
                       <a:lumMod val="65000"/>
@@ -5870,7 +5793,7 @@
                 <a:t>해안 산책</a:t>
               </a:r>
               <a:r>
-                <a:rPr lang="en-US" altLang="ko-KR" sz="1500" b="1" spc="-60" dirty="0" smtClean="0">
+                <a:rPr lang="en-US" altLang="ko-KR" sz="1500" b="1" spc="-60" dirty="0">
                   <a:solidFill>
                     <a:schemeClr val="tx1">
                       <a:lumMod val="65000"/>
@@ -5882,7 +5805,7 @@
                 <a:t>, </a:t>
               </a:r>
               <a:r>
-                <a:rPr lang="ko-KR" altLang="en-US" sz="1500" b="1" spc="-60" dirty="0" smtClean="0">
+                <a:rPr lang="ko-KR" altLang="en-US" sz="1500" b="1" spc="-60" dirty="0">
                   <a:solidFill>
                     <a:schemeClr val="tx1">
                       <a:lumMod val="65000"/>
@@ -5893,7 +5816,7 @@
                 </a:rPr>
                 <a:t>스피드 보트</a:t>
               </a:r>
-              <a:endParaRPr lang="en-US" altLang="ko-KR" sz="1500" b="1" spc="-60" dirty="0" smtClean="0">
+              <a:endParaRPr lang="en-US" altLang="ko-KR" sz="1500" b="1" spc="-60" dirty="0">
                 <a:solidFill>
                   <a:schemeClr val="tx1">
                     <a:lumMod val="65000"/>
@@ -5917,7 +5840,7 @@
                 <a:buSzPct val="60000"/>
               </a:pPr>
               <a:r>
-                <a:rPr lang="ko-KR" altLang="en-US" sz="1500" b="1" spc="-60" dirty="0" smtClean="0">
+                <a:rPr lang="ko-KR" altLang="en-US" sz="1500" b="1" spc="-60" dirty="0">
                   <a:solidFill>
                     <a:schemeClr val="tx1">
                       <a:lumMod val="65000"/>
@@ -5929,7 +5852,7 @@
                 <a:t>추천 레스토랑 </a:t>
               </a:r>
               <a:r>
-                <a:rPr lang="en-US" altLang="ko-KR" sz="1500" b="1" spc="-60" dirty="0" smtClean="0">
+                <a:rPr lang="en-US" altLang="ko-KR" sz="1500" b="1" spc="-60" dirty="0">
                   <a:solidFill>
                     <a:schemeClr val="tx1">
                       <a:lumMod val="65000"/>
@@ -5941,7 +5864,7 @@
                 <a:t>: </a:t>
               </a:r>
               <a:r>
-                <a:rPr lang="ko-KR" altLang="en-US" sz="1500" b="1" spc="-60" dirty="0" err="1" smtClean="0">
+                <a:rPr lang="ko-KR" altLang="en-US" sz="1500" b="1" spc="-60" dirty="0" err="1">
                   <a:solidFill>
                     <a:schemeClr val="tx1">
                       <a:lumMod val="65000"/>
@@ -5962,21 +5885,9 @@
                   </a:solidFill>
                   <a:latin typeface="+mn-ea"/>
                 </a:rPr>
-                <a:t> </a:t>
+                <a:t> 식당</a:t>
               </a:r>
-              <a:r>
-                <a:rPr lang="ko-KR" altLang="en-US" sz="1500" b="1" spc="-60" dirty="0" smtClean="0">
-                  <a:solidFill>
-                    <a:schemeClr val="tx1">
-                      <a:lumMod val="65000"/>
-                      <a:lumOff val="35000"/>
-                    </a:schemeClr>
-                  </a:solidFill>
-                  <a:latin typeface="+mn-ea"/>
-                </a:rPr>
-                <a:t>식당</a:t>
-              </a:r>
-              <a:endParaRPr lang="en-US" altLang="ko-KR" sz="1500" b="1" spc="-60" dirty="0" smtClean="0">
+              <a:endParaRPr lang="en-US" altLang="ko-KR" sz="1500" b="1" spc="-60" dirty="0">
                 <a:solidFill>
                   <a:schemeClr val="tx1">
                     <a:lumMod val="65000"/>
@@ -6022,7 +5933,7 @@
                 </a:buClr>
                 <a:buSzPct val="60000"/>
               </a:pPr>
-              <a:endParaRPr lang="en-US" altLang="ko-KR" sz="1500" b="1" spc="-60" dirty="0" smtClean="0">
+              <a:endParaRPr lang="en-US" altLang="ko-KR" sz="1500" b="1" spc="-60" dirty="0">
                 <a:solidFill>
                   <a:schemeClr val="tx1">
                     <a:lumMod val="65000"/>
@@ -6039,7 +5950,7 @@
             <p:cNvPr id="13" name="TextBox 12">
               <a:extLst>
                 <a:ext uri="{FF2B5EF4-FFF2-40B4-BE49-F238E27FC236}">
-                  <a16:creationId xmlns:a16="http://schemas.microsoft.com/office/drawing/2014/main" xmlns="" id="{FADD5F63-4AF7-48AE-838F-1AA8156BB3C4}"/>
+                  <a16:creationId xmlns:a16="http://schemas.microsoft.com/office/drawing/2014/main" id="{FADD5F63-4AF7-48AE-838F-1AA8156BB3C4}"/>
                 </a:ext>
               </a:extLst>
             </p:cNvPr>
@@ -6079,7 +5990,7 @@
                 <a:buSzPct val="60000"/>
               </a:pPr>
               <a:r>
-                <a:rPr lang="en-US" altLang="ko-KR" sz="1500" b="1" spc="-60" dirty="0" smtClean="0">
+                <a:rPr lang="en-US" altLang="ko-KR" sz="1500" b="1" spc="-60" dirty="0">
                   <a:solidFill>
                     <a:schemeClr val="tx1">
                       <a:lumMod val="65000"/>
@@ -6091,7 +6002,7 @@
                 <a:t>B </a:t>
               </a:r>
               <a:r>
-                <a:rPr lang="ko-KR" altLang="en-US" sz="1500" b="1" spc="-60" dirty="0" smtClean="0">
+                <a:rPr lang="ko-KR" altLang="en-US" sz="1500" b="1" spc="-60" dirty="0">
                   <a:solidFill>
                     <a:schemeClr val="tx1">
                       <a:lumMod val="65000"/>
@@ -6102,7 +6013,7 @@
                 </a:rPr>
                 <a:t>도시</a:t>
               </a:r>
-              <a:endParaRPr lang="en-US" altLang="ko-KR" sz="1500" b="1" spc="-60" dirty="0" smtClean="0">
+              <a:endParaRPr lang="en-US" altLang="ko-KR" sz="1500" b="1" spc="-60" dirty="0">
                 <a:solidFill>
                   <a:schemeClr val="tx1">
                     <a:lumMod val="65000"/>
@@ -6126,7 +6037,7 @@
                 <a:buSzPct val="60000"/>
               </a:pPr>
               <a:r>
-                <a:rPr lang="ko-KR" altLang="en-US" sz="1500" b="1" spc="-60" dirty="0" smtClean="0">
+                <a:rPr lang="ko-KR" altLang="en-US" sz="1500" b="1" spc="-60" dirty="0">
                   <a:solidFill>
                     <a:schemeClr val="tx1">
                       <a:lumMod val="65000"/>
@@ -6138,7 +6049,7 @@
                 <a:t>추천 키워드 </a:t>
               </a:r>
               <a:r>
-                <a:rPr lang="en-US" altLang="ko-KR" sz="1500" b="1" spc="-60" dirty="0" smtClean="0">
+                <a:rPr lang="en-US" altLang="ko-KR" sz="1500" b="1" spc="-60" dirty="0">
                   <a:solidFill>
                     <a:schemeClr val="tx1">
                       <a:lumMod val="65000"/>
@@ -6150,7 +6061,7 @@
                 <a:t>: </a:t>
               </a:r>
               <a:r>
-                <a:rPr lang="ko-KR" altLang="en-US" sz="1500" b="1" spc="-60" dirty="0" smtClean="0">
+                <a:rPr lang="ko-KR" altLang="en-US" sz="1500" b="1" spc="-60" dirty="0">
                   <a:solidFill>
                     <a:schemeClr val="tx1">
                       <a:lumMod val="65000"/>
@@ -6162,7 +6073,7 @@
                 <a:t>휴양</a:t>
               </a:r>
               <a:r>
-                <a:rPr lang="en-US" altLang="ko-KR" sz="1500" b="1" spc="-60" dirty="0" smtClean="0">
+                <a:rPr lang="en-US" altLang="ko-KR" sz="1500" b="1" spc="-60" dirty="0">
                   <a:solidFill>
                     <a:schemeClr val="tx1">
                       <a:lumMod val="65000"/>
@@ -6183,19 +6094,7 @@
                   </a:solidFill>
                   <a:latin typeface="+mn-ea"/>
                 </a:rPr>
-                <a:t>쇼</a:t>
-              </a:r>
-              <a:r>
-                <a:rPr lang="ko-KR" altLang="en-US" sz="1500" b="1" spc="-60" dirty="0" smtClean="0">
-                  <a:solidFill>
-                    <a:schemeClr val="tx1">
-                      <a:lumMod val="65000"/>
-                      <a:lumOff val="35000"/>
-                    </a:schemeClr>
-                  </a:solidFill>
-                  <a:latin typeface="+mn-ea"/>
-                </a:rPr>
-                <a:t>핑</a:t>
+                <a:t>쇼핑</a:t>
               </a:r>
               <a:endParaRPr lang="en-US" altLang="ko-KR" sz="1500" b="1" spc="-60" dirty="0">
                 <a:solidFill>
@@ -6221,7 +6120,7 @@
                 <a:buSzPct val="60000"/>
               </a:pPr>
               <a:r>
-                <a:rPr lang="ko-KR" altLang="en-US" sz="1500" b="1" spc="-60" dirty="0" smtClean="0">
+                <a:rPr lang="ko-KR" altLang="en-US" sz="1500" b="1" spc="-60" dirty="0">
                   <a:solidFill>
                     <a:schemeClr val="tx1">
                       <a:lumMod val="65000"/>
@@ -6233,7 +6132,7 @@
                 <a:t>추천 코스 </a:t>
               </a:r>
               <a:r>
-                <a:rPr lang="en-US" altLang="ko-KR" sz="1500" b="1" spc="-60" dirty="0" smtClean="0">
+                <a:rPr lang="en-US" altLang="ko-KR" sz="1500" b="1" spc="-60" dirty="0">
                   <a:solidFill>
                     <a:schemeClr val="tx1">
                       <a:lumMod val="65000"/>
@@ -6245,7 +6144,7 @@
                 <a:t>: </a:t>
               </a:r>
               <a:r>
-                <a:rPr lang="ko-KR" altLang="en-US" sz="1500" b="1" spc="-60" dirty="0" smtClean="0">
+                <a:rPr lang="ko-KR" altLang="en-US" sz="1500" b="1" spc="-60" dirty="0">
                   <a:solidFill>
                     <a:schemeClr val="tx1">
                       <a:lumMod val="65000"/>
@@ -6257,7 +6156,7 @@
                 <a:t>해안가 </a:t>
               </a:r>
               <a:r>
-                <a:rPr lang="ko-KR" altLang="en-US" sz="1500" b="1" spc="-60" dirty="0" err="1" smtClean="0">
+                <a:rPr lang="ko-KR" altLang="en-US" sz="1500" b="1" spc="-60" dirty="0" err="1">
                   <a:solidFill>
                     <a:schemeClr val="tx1">
                       <a:lumMod val="65000"/>
@@ -6269,7 +6168,7 @@
                 <a:t>트래킹</a:t>
               </a:r>
               <a:r>
-                <a:rPr lang="en-US" altLang="ko-KR" sz="1500" b="1" spc="-60" dirty="0" smtClean="0">
+                <a:rPr lang="en-US" altLang="ko-KR" sz="1500" b="1" spc="-60" dirty="0">
                   <a:solidFill>
                     <a:schemeClr val="tx1">
                       <a:lumMod val="65000"/>
@@ -6281,7 +6180,7 @@
                 <a:t>, </a:t>
               </a:r>
               <a:r>
-                <a:rPr lang="ko-KR" altLang="en-US" sz="1500" b="1" spc="-60" dirty="0" smtClean="0">
+                <a:rPr lang="ko-KR" altLang="en-US" sz="1500" b="1" spc="-60" dirty="0">
                   <a:solidFill>
                     <a:schemeClr val="tx1">
                       <a:lumMod val="65000"/>
@@ -6292,7 +6191,7 @@
                 </a:rPr>
                 <a:t>기념품 쇼핑</a:t>
               </a:r>
-              <a:endParaRPr lang="en-US" altLang="ko-KR" sz="1500" b="1" spc="-60" dirty="0" smtClean="0">
+              <a:endParaRPr lang="en-US" altLang="ko-KR" sz="1500" b="1" spc="-60" dirty="0">
                 <a:solidFill>
                   <a:schemeClr val="tx1">
                     <a:lumMod val="65000"/>
@@ -6316,7 +6215,7 @@
                 <a:buSzPct val="60000"/>
               </a:pPr>
               <a:r>
-                <a:rPr lang="ko-KR" altLang="en-US" sz="1500" b="1" spc="-60" dirty="0" smtClean="0">
+                <a:rPr lang="ko-KR" altLang="en-US" sz="1500" b="1" spc="-60" dirty="0">
                   <a:solidFill>
                     <a:schemeClr val="tx1">
                       <a:lumMod val="65000"/>
@@ -6328,7 +6227,7 @@
                 <a:t>추천 레스토랑 </a:t>
               </a:r>
               <a:r>
-                <a:rPr lang="en-US" altLang="ko-KR" sz="1500" b="1" spc="-60" dirty="0" smtClean="0">
+                <a:rPr lang="en-US" altLang="ko-KR" sz="1500" b="1" spc="-60" dirty="0">
                   <a:solidFill>
                     <a:schemeClr val="tx1">
                       <a:lumMod val="65000"/>
@@ -6340,7 +6239,7 @@
                 <a:t>: xx </a:t>
               </a:r>
               <a:r>
-                <a:rPr lang="ko-KR" altLang="en-US" sz="1500" b="1" spc="-60" dirty="0" smtClean="0">
+                <a:rPr lang="ko-KR" altLang="en-US" sz="1500" b="1" spc="-60" dirty="0">
                   <a:solidFill>
                     <a:schemeClr val="tx1">
                       <a:lumMod val="65000"/>
@@ -6374,7 +6273,7 @@
                 </a:buClr>
                 <a:buSzPct val="60000"/>
               </a:pPr>
-              <a:endParaRPr lang="en-US" altLang="ko-KR" sz="1500" b="1" spc="-60" dirty="0" smtClean="0">
+              <a:endParaRPr lang="en-US" altLang="ko-KR" sz="1500" b="1" spc="-60" dirty="0">
                 <a:solidFill>
                   <a:schemeClr val="tx1">
                     <a:lumMod val="65000"/>
@@ -6397,7 +6296,7 @@
                 </a:buClr>
                 <a:buSzPct val="60000"/>
               </a:pPr>
-              <a:endParaRPr lang="en-US" altLang="ko-KR" sz="1500" b="1" spc="-60" dirty="0" smtClean="0">
+              <a:endParaRPr lang="en-US" altLang="ko-KR" sz="1500" b="1" spc="-60" dirty="0">
                 <a:solidFill>
                   <a:schemeClr val="tx1">
                     <a:lumMod val="65000"/>
@@ -6415,7 +6314,7 @@
           <p:cNvPr id="9" name="제목 5">
             <a:extLst>
               <a:ext uri="{FF2B5EF4-FFF2-40B4-BE49-F238E27FC236}">
-                <a16:creationId xmlns:a16="http://schemas.microsoft.com/office/drawing/2014/main" xmlns="" id="{F857FEE6-CE74-4372-A25E-EBDAEF626DA7}"/>
+                <a16:creationId xmlns:a16="http://schemas.microsoft.com/office/drawing/2014/main" id="{F857FEE6-CE74-4372-A25E-EBDAEF626DA7}"/>
               </a:ext>
             </a:extLst>
           </p:cNvPr>
@@ -6526,10 +6425,10 @@
                 <a:ea typeface="Microsoft GothicNeo" panose="020B0500000101010101" pitchFamily="50" charset="-127"/>
                 <a:cs typeface="Microsoft GothicNeo" panose="020B0500000101010101" pitchFamily="50" charset="-127"/>
               </a:rPr>
-              <a:t>3</a:t>
-            </a:r>
-            <a:r>
-              <a:rPr lang="en-US" altLang="ko-KR" sz="2000" dirty="0" smtClean="0">
+              <a:t>3 I </a:t>
+            </a:r>
+            <a:r>
+              <a:rPr lang="ko-KR" altLang="en-US" sz="2000" dirty="0">
                 <a:solidFill>
                   <a:schemeClr val="bg1"/>
                 </a:solidFill>
@@ -6537,7 +6436,7 @@
                 <a:ea typeface="Microsoft GothicNeo" panose="020B0500000101010101" pitchFamily="50" charset="-127"/>
                 <a:cs typeface="Microsoft GothicNeo" panose="020B0500000101010101" pitchFamily="50" charset="-127"/>
               </a:rPr>
-              <a:t> </a:t>
+              <a:t>여행지 추천</a:t>
             </a:r>
             <a:r>
               <a:rPr lang="en-US" altLang="ko-KR" sz="2000" dirty="0">
@@ -6548,32 +6447,10 @@
                 <a:ea typeface="Microsoft GothicNeo" panose="020B0500000101010101" pitchFamily="50" charset="-127"/>
                 <a:cs typeface="Microsoft GothicNeo" panose="020B0500000101010101" pitchFamily="50" charset="-127"/>
               </a:rPr>
-              <a:t>I </a:t>
-            </a:r>
-            <a:r>
-              <a:rPr lang="ko-KR" altLang="en-US" sz="2000" dirty="0" smtClean="0">
-                <a:solidFill>
-                  <a:schemeClr val="bg1"/>
-                </a:solidFill>
-                <a:latin typeface="Microsoft GothicNeo" panose="020B0500000101010101" pitchFamily="50" charset="-127"/>
-                <a:ea typeface="Microsoft GothicNeo" panose="020B0500000101010101" pitchFamily="50" charset="-127"/>
-                <a:cs typeface="Microsoft GothicNeo" panose="020B0500000101010101" pitchFamily="50" charset="-127"/>
-              </a:rPr>
-              <a:t>여행지 추천</a:t>
-            </a:r>
-            <a:r>
-              <a:rPr lang="en-US" altLang="ko-KR" sz="2000" dirty="0" smtClean="0">
-                <a:solidFill>
-                  <a:schemeClr val="bg1"/>
-                </a:solidFill>
-                <a:latin typeface="Microsoft GothicNeo" panose="020B0500000101010101" pitchFamily="50" charset="-127"/>
-                <a:ea typeface="Microsoft GothicNeo" panose="020B0500000101010101" pitchFamily="50" charset="-127"/>
-                <a:cs typeface="Microsoft GothicNeo" panose="020B0500000101010101" pitchFamily="50" charset="-127"/>
-              </a:rPr>
               <a:t> – </a:t>
             </a:r>
             <a:r>
-              <a:rPr lang="ko-KR" altLang="en-US" sz="2000" dirty="0" err="1" smtClean="0">
+              <a:rPr lang="ko-KR" altLang="en-US" sz="2000" dirty="0" err="1">
                 <a:solidFill>
                   <a:schemeClr val="bg1"/>
                 </a:solidFill>
@@ -6604,13 +6481,6 @@
   <p:clrMapOvr>
     <a:masterClrMapping/>
   </p:clrMapOvr>
-  <p:timing>
-    <p:tnLst>
-      <p:par>
-        <p:cTn id="1" dur="indefinite" restart="never" nodeType="tmRoot"/>
-      </p:par>
-    </p:tnLst>
-  </p:timing>
 </p:sld>
 </file>
 
@@ -6636,7 +6506,7 @@
           <p:cNvPr id="3" name="TextBox 2">
             <a:extLst>
               <a:ext uri="{FF2B5EF4-FFF2-40B4-BE49-F238E27FC236}">
-                <a16:creationId xmlns:a16="http://schemas.microsoft.com/office/drawing/2014/main" xmlns="" id="{D19D6D36-5795-404A-950B-97938A24D4C0}"/>
+                <a16:creationId xmlns:a16="http://schemas.microsoft.com/office/drawing/2014/main" id="{D19D6D36-5795-404A-950B-97938A24D4C0}"/>
               </a:ext>
             </a:extLst>
           </p:cNvPr>
@@ -6687,21 +6557,9 @@
                 </a:solidFill>
                 <a:latin typeface="+mn-ea"/>
               </a:rPr>
-              <a:t>외국인에게는 알려져 있지만 한국인은 모르는 지역을 추천해줌으로써 남들과는 차별화되는 특별한 여행지에서의 경험을 </a:t>
-            </a:r>
-            <a:r>
-              <a:rPr lang="ko-KR" altLang="en-US" sz="1500" b="1" spc="-60" dirty="0" smtClean="0">
-                <a:solidFill>
-                  <a:schemeClr val="tx1">
-                    <a:lumMod val="65000"/>
-                    <a:lumOff val="35000"/>
-                  </a:schemeClr>
-                </a:solidFill>
-                <a:latin typeface="+mn-ea"/>
-              </a:rPr>
-              <a:t>선사</a:t>
-            </a:r>
-            <a:endParaRPr lang="en-US" altLang="ko-KR" sz="1500" b="1" spc="-60" dirty="0" smtClean="0">
+              <a:t>외국인에게는 알려져 있지만 한국인은 모르는 지역을 추천해줌으로써 남들과는 차별화되는 특별한 여행지에서의 경험을 선사</a:t>
+            </a:r>
+            <a:endParaRPr lang="en-US" altLang="ko-KR" sz="1500" b="1" spc="-60" dirty="0">
               <a:solidFill>
                 <a:schemeClr val="tx1">
                   <a:lumMod val="65000"/>
@@ -6727,7 +6585,7 @@
               <a:buChar char="l"/>
             </a:pPr>
             <a:r>
-              <a:rPr lang="ko-KR" altLang="en-US" sz="1500" b="1" spc="-60" dirty="0" smtClean="0">
+              <a:rPr lang="ko-KR" altLang="en-US" sz="1500" b="1" spc="-60" dirty="0">
                 <a:solidFill>
                   <a:schemeClr val="tx1">
                     <a:lumMod val="65000"/>
@@ -6738,15 +6596,6 @@
               </a:rPr>
               <a:t>검색 시간 상에 이유로 기존에 방문하던 곳만을 방문하는 경향에서 탈피하여 새로운 유럽 도시에서의 여행을 즐길 수 있음</a:t>
             </a:r>
-            <a:endParaRPr lang="ko-KR" altLang="en-US" sz="1500" b="1" spc="-60" dirty="0">
-              <a:solidFill>
-                <a:schemeClr val="tx1">
-                  <a:lumMod val="65000"/>
-                  <a:lumOff val="35000"/>
-                </a:schemeClr>
-              </a:solidFill>
-              <a:latin typeface="+mn-ea"/>
-            </a:endParaRPr>
           </a:p>
         </p:txBody>
       </p:sp>
@@ -6755,7 +6604,7 @@
           <p:cNvPr id="9" name="TextBox 8">
             <a:extLst>
               <a:ext uri="{FF2B5EF4-FFF2-40B4-BE49-F238E27FC236}">
-                <a16:creationId xmlns:a16="http://schemas.microsoft.com/office/drawing/2014/main" xmlns="" id="{09DBFDD7-BE30-4E4C-846D-D98375BBCF59}"/>
+                <a16:creationId xmlns:a16="http://schemas.microsoft.com/office/drawing/2014/main" id="{09DBFDD7-BE30-4E4C-846D-D98375BBCF59}"/>
               </a:ext>
             </a:extLst>
           </p:cNvPr>
@@ -6797,7 +6646,7 @@
               <a:buChar char="l"/>
             </a:pPr>
             <a:r>
-              <a:rPr lang="ko-KR" altLang="en-US" sz="1500" b="1" spc="-60" dirty="0" smtClean="0">
+              <a:rPr lang="ko-KR" altLang="en-US" sz="1500" b="1" spc="-60" dirty="0">
                 <a:solidFill>
                   <a:schemeClr val="tx1">
                     <a:lumMod val="65000"/>
@@ -6808,15 +6657,6 @@
               </a:rPr>
               <a:t>추가적으로 여행지 추천 부분에서 사용자가 더 알고 싶은 사항을 검색하면 추가로 해당 도시에 대한 정보를 제공해주는 시스템</a:t>
             </a:r>
-            <a:endParaRPr lang="ko-KR" altLang="en-US" sz="1500" b="1" spc="-60" dirty="0">
-              <a:solidFill>
-                <a:schemeClr val="tx1">
-                  <a:lumMod val="65000"/>
-                  <a:lumOff val="35000"/>
-                </a:schemeClr>
-              </a:solidFill>
-              <a:latin typeface="+mn-ea"/>
-            </a:endParaRPr>
           </a:p>
         </p:txBody>
       </p:sp>
@@ -6825,7 +6665,7 @@
           <p:cNvPr id="6" name="제목 5">
             <a:extLst>
               <a:ext uri="{FF2B5EF4-FFF2-40B4-BE49-F238E27FC236}">
-                <a16:creationId xmlns:a16="http://schemas.microsoft.com/office/drawing/2014/main" xmlns="" id="{F857FEE6-CE74-4372-A25E-EBDAEF626DA7}"/>
+                <a16:creationId xmlns:a16="http://schemas.microsoft.com/office/drawing/2014/main" id="{F857FEE6-CE74-4372-A25E-EBDAEF626DA7}"/>
               </a:ext>
             </a:extLst>
           </p:cNvPr>
@@ -6936,10 +6776,10 @@
                 <a:ea typeface="Microsoft GothicNeo" panose="020B0500000101010101" pitchFamily="50" charset="-127"/>
                 <a:cs typeface="Microsoft GothicNeo" panose="020B0500000101010101" pitchFamily="50" charset="-127"/>
               </a:rPr>
-              <a:t>4</a:t>
-            </a:r>
-            <a:r>
-              <a:rPr lang="en-US" altLang="ko-KR" sz="2000" dirty="0" smtClean="0">
+              <a:t>4 I </a:t>
+            </a:r>
+            <a:r>
+              <a:rPr lang="ko-KR" altLang="en-US" sz="2000" dirty="0">
                 <a:solidFill>
                   <a:schemeClr val="bg1"/>
                 </a:solidFill>
@@ -6947,38 +6787,8 @@
                 <a:ea typeface="Microsoft GothicNeo" panose="020B0500000101010101" pitchFamily="50" charset="-127"/>
                 <a:cs typeface="Microsoft GothicNeo" panose="020B0500000101010101" pitchFamily="50" charset="-127"/>
               </a:rPr>
-              <a:t> </a:t>
-            </a:r>
-            <a:r>
-              <a:rPr lang="en-US" altLang="ko-KR" sz="2000" dirty="0">
-                <a:solidFill>
-                  <a:schemeClr val="bg1"/>
-                </a:solidFill>
-                <a:latin typeface="Microsoft GothicNeo" panose="020B0500000101010101" pitchFamily="50" charset="-127"/>
-                <a:ea typeface="Microsoft GothicNeo" panose="020B0500000101010101" pitchFamily="50" charset="-127"/>
-                <a:cs typeface="Microsoft GothicNeo" panose="020B0500000101010101" pitchFamily="50" charset="-127"/>
-              </a:rPr>
-              <a:t>I </a:t>
-            </a:r>
-            <a:r>
-              <a:rPr lang="ko-KR" altLang="en-US" sz="2000" dirty="0" smtClean="0">
-                <a:solidFill>
-                  <a:schemeClr val="bg1"/>
-                </a:solidFill>
-                <a:latin typeface="Microsoft GothicNeo" panose="020B0500000101010101" pitchFamily="50" charset="-127"/>
-                <a:ea typeface="Microsoft GothicNeo" panose="020B0500000101010101" pitchFamily="50" charset="-127"/>
-                <a:cs typeface="Microsoft GothicNeo" panose="020B0500000101010101" pitchFamily="50" charset="-127"/>
-              </a:rPr>
               <a:t>기대 효과 및 향후 발전 방향</a:t>
             </a:r>
-            <a:endParaRPr lang="ko-KR" altLang="en-US" sz="2000" dirty="0">
-              <a:solidFill>
-                <a:schemeClr val="bg1"/>
-              </a:solidFill>
-              <a:latin typeface="Microsoft GothicNeo" panose="020B0500000101010101" pitchFamily="50" charset="-127"/>
-              <a:ea typeface="Microsoft GothicNeo" panose="020B0500000101010101" pitchFamily="50" charset="-127"/>
-              <a:cs typeface="Microsoft GothicNeo" panose="020B0500000101010101" pitchFamily="50" charset="-127"/>
-            </a:endParaRPr>
           </a:p>
         </p:txBody>
       </p:sp>
@@ -6987,7 +6797,7 @@
           <p:cNvPr id="10" name="TextBox 9">
             <a:extLst>
               <a:ext uri="{FF2B5EF4-FFF2-40B4-BE49-F238E27FC236}">
-                <a16:creationId xmlns:a16="http://schemas.microsoft.com/office/drawing/2014/main" xmlns="" id="{FADD5F63-4AF7-48AE-838F-1AA8156BB3C4}"/>
+                <a16:creationId xmlns:a16="http://schemas.microsoft.com/office/drawing/2014/main" id="{FADD5F63-4AF7-48AE-838F-1AA8156BB3C4}"/>
               </a:ext>
             </a:extLst>
           </p:cNvPr>
@@ -7027,7 +6837,7 @@
               <a:buSzPct val="60000"/>
             </a:pPr>
             <a:r>
-              <a:rPr lang="en-US" altLang="ko-KR" sz="1500" b="1" spc="-60" dirty="0" smtClean="0">
+              <a:rPr lang="en-US" altLang="ko-KR" sz="1500" b="1" spc="-60" dirty="0">
                 <a:solidFill>
                   <a:schemeClr val="tx1">
                     <a:lumMod val="65000"/>
@@ -7039,7 +6849,7 @@
               <a:t>&lt;</a:t>
             </a:r>
             <a:r>
-              <a:rPr lang="ko-KR" altLang="en-US" sz="1500" b="1" spc="-60" dirty="0" smtClean="0">
+              <a:rPr lang="ko-KR" altLang="en-US" sz="1500" b="1" spc="-60" dirty="0">
                 <a:solidFill>
                   <a:schemeClr val="tx1">
                     <a:lumMod val="65000"/>
@@ -7062,15 +6872,6 @@
               </a:rPr>
               <a:t>&gt;</a:t>
             </a:r>
-            <a:endParaRPr lang="en-US" altLang="ko-KR" sz="1500" b="1" spc="-60" dirty="0" smtClean="0">
-              <a:solidFill>
-                <a:schemeClr val="tx1">
-                  <a:lumMod val="65000"/>
-                  <a:lumOff val="35000"/>
-                </a:schemeClr>
-              </a:solidFill>
-              <a:latin typeface="+mn-ea"/>
-            </a:endParaRPr>
           </a:p>
         </p:txBody>
       </p:sp>
@@ -7079,7 +6880,7 @@
           <p:cNvPr id="11" name="TextBox 10">
             <a:extLst>
               <a:ext uri="{FF2B5EF4-FFF2-40B4-BE49-F238E27FC236}">
-                <a16:creationId xmlns:a16="http://schemas.microsoft.com/office/drawing/2014/main" xmlns="" id="{FADD5F63-4AF7-48AE-838F-1AA8156BB3C4}"/>
+                <a16:creationId xmlns:a16="http://schemas.microsoft.com/office/drawing/2014/main" id="{FADD5F63-4AF7-48AE-838F-1AA8156BB3C4}"/>
               </a:ext>
             </a:extLst>
           </p:cNvPr>
@@ -7119,7 +6920,7 @@
               <a:buSzPct val="60000"/>
             </a:pPr>
             <a:r>
-              <a:rPr lang="en-US" altLang="ko-KR" sz="1500" b="1" spc="-60" dirty="0" smtClean="0">
+              <a:rPr lang="en-US" altLang="ko-KR" sz="1500" b="1" spc="-60" dirty="0">
                 <a:solidFill>
                   <a:schemeClr val="tx1">
                     <a:lumMod val="65000"/>
@@ -7131,7 +6932,7 @@
               <a:t>&lt;</a:t>
             </a:r>
             <a:r>
-              <a:rPr lang="ko-KR" altLang="en-US" sz="1500" b="1" spc="-60" dirty="0" smtClean="0">
+              <a:rPr lang="ko-KR" altLang="en-US" sz="1500" b="1" spc="-60" dirty="0">
                 <a:solidFill>
                   <a:schemeClr val="tx1">
                     <a:lumMod val="65000"/>
@@ -7143,7 +6944,7 @@
               <a:t>향후 발전 방향</a:t>
             </a:r>
             <a:r>
-              <a:rPr lang="en-US" altLang="ko-KR" sz="1500" b="1" spc="-60" dirty="0" smtClean="0">
+              <a:rPr lang="en-US" altLang="ko-KR" sz="1500" b="1" spc="-60" dirty="0">
                 <a:solidFill>
                   <a:schemeClr val="tx1">
                     <a:lumMod val="65000"/>
@@ -7167,13 +6968,6 @@
   <p:clrMapOvr>
     <a:masterClrMapping/>
   </p:clrMapOvr>
-  <p:timing>
-    <p:tnLst>
-      <p:par>
-        <p:cTn id="1" dur="indefinite" restart="never" nodeType="tmRoot"/>
-      </p:par>
-    </p:tnLst>
-  </p:timing>
 </p:sld>
 </file>
 
@@ -7207,7 +7001,7 @@
           <p:cNvPr id="4" name="직사각형 3">
             <a:extLst>
               <a:ext uri="{FF2B5EF4-FFF2-40B4-BE49-F238E27FC236}">
-                <a16:creationId xmlns:a16="http://schemas.microsoft.com/office/drawing/2014/main" xmlns="" id="{EA91AE1D-E7CF-4608-B3CF-3C2A1EAE4F44}"/>
+                <a16:creationId xmlns:a16="http://schemas.microsoft.com/office/drawing/2014/main" id="{EA91AE1D-E7CF-4608-B3CF-3C2A1EAE4F44}"/>
               </a:ext>
             </a:extLst>
           </p:cNvPr>
@@ -7252,7 +7046,7 @@
           <p:cNvPr id="8" name="제목 5">
             <a:extLst>
               <a:ext uri="{FF2B5EF4-FFF2-40B4-BE49-F238E27FC236}">
-                <a16:creationId xmlns:a16="http://schemas.microsoft.com/office/drawing/2014/main" xmlns="" id="{043EA149-1BB4-4211-9C75-D9F800EED8F2}"/>
+                <a16:creationId xmlns:a16="http://schemas.microsoft.com/office/drawing/2014/main" id="{043EA149-1BB4-4211-9C75-D9F800EED8F2}"/>
               </a:ext>
             </a:extLst>
           </p:cNvPr>
@@ -7358,7 +7152,7 @@
           <p:cNvPr id="2" name="TextBox 1">
             <a:extLst>
               <a:ext uri="{FF2B5EF4-FFF2-40B4-BE49-F238E27FC236}">
-                <a16:creationId xmlns:a16="http://schemas.microsoft.com/office/drawing/2014/main" xmlns="" id="{E5AD57D0-5D01-420C-B568-BC58B008CEB0}"/>
+                <a16:creationId xmlns:a16="http://schemas.microsoft.com/office/drawing/2014/main" id="{E5AD57D0-5D01-420C-B568-BC58B008CEB0}"/>
               </a:ext>
             </a:extLst>
           </p:cNvPr>
@@ -7423,33 +7217,8 @@
                 <a:ea typeface="Microsoft GothicNeo" panose="020B0500000101010101" pitchFamily="50" charset="-127"/>
                 <a:cs typeface="Microsoft GothicNeo" panose="020B0500000101010101" pitchFamily="50" charset="-127"/>
               </a:rPr>
-              <a:t>주제 선정 </a:t>
-            </a:r>
-            <a:r>
-              <a:rPr lang="ko-KR" altLang="en-US" sz="2400" b="1" spc="-60" dirty="0" smtClean="0">
-                <a:solidFill>
-                  <a:schemeClr val="tx1">
-                    <a:lumMod val="65000"/>
-                    <a:lumOff val="35000"/>
-                  </a:schemeClr>
-                </a:solidFill>
-                <a:latin typeface="Microsoft GothicNeo" panose="020B0500000101010101" pitchFamily="50" charset="-127"/>
-                <a:ea typeface="Microsoft GothicNeo" panose="020B0500000101010101" pitchFamily="50" charset="-127"/>
-                <a:cs typeface="Microsoft GothicNeo" panose="020B0500000101010101" pitchFamily="50" charset="-127"/>
-              </a:rPr>
-              <a:t>이유 및 목표</a:t>
-            </a:r>
-            <a:endParaRPr lang="ko-KR" altLang="en-US" sz="2400" b="1" spc="-60" dirty="0">
-              <a:solidFill>
-                <a:schemeClr val="tx1">
-                  <a:lumMod val="65000"/>
-                  <a:lumOff val="35000"/>
-                </a:schemeClr>
-              </a:solidFill>
-              <a:latin typeface="Microsoft GothicNeo" panose="020B0500000101010101" pitchFamily="50" charset="-127"/>
-              <a:ea typeface="Microsoft GothicNeo" panose="020B0500000101010101" pitchFamily="50" charset="-127"/>
-              <a:cs typeface="Microsoft GothicNeo" panose="020B0500000101010101" pitchFamily="50" charset="-127"/>
-            </a:endParaRPr>
+              <a:t>주제 선정 이유 및 목표</a:t>
+            </a:r>
           </a:p>
         </p:txBody>
       </p:sp>
@@ -7458,7 +7227,7 @@
           <p:cNvPr id="21" name="TextBox 20">
             <a:extLst>
               <a:ext uri="{FF2B5EF4-FFF2-40B4-BE49-F238E27FC236}">
-                <a16:creationId xmlns:a16="http://schemas.microsoft.com/office/drawing/2014/main" xmlns="" id="{7249ABAF-2E7E-408F-9D7E-60B84C26280C}"/>
+                <a16:creationId xmlns:a16="http://schemas.microsoft.com/office/drawing/2014/main" id="{7249ABAF-2E7E-408F-9D7E-60B84C26280C}"/>
               </a:ext>
             </a:extLst>
           </p:cNvPr>
@@ -7547,7 +7316,7 @@
           <p:cNvPr id="22" name="TextBox 21">
             <a:extLst>
               <a:ext uri="{FF2B5EF4-FFF2-40B4-BE49-F238E27FC236}">
-                <a16:creationId xmlns:a16="http://schemas.microsoft.com/office/drawing/2014/main" xmlns="" id="{5B950899-ECF4-4AAD-BAE8-E7613A3BAE25}"/>
+                <a16:creationId xmlns:a16="http://schemas.microsoft.com/office/drawing/2014/main" id="{5B950899-ECF4-4AAD-BAE8-E7613A3BAE25}"/>
               </a:ext>
             </a:extLst>
           </p:cNvPr>
@@ -7601,7 +7370,7 @@
               <a:t>3.  </a:t>
             </a:r>
             <a:r>
-              <a:rPr lang="ko-KR" altLang="en-US" sz="2400" b="1" spc="-60" dirty="0" smtClean="0">
+              <a:rPr lang="ko-KR" altLang="en-US" sz="2400" b="1" spc="-60" dirty="0">
                 <a:solidFill>
                   <a:schemeClr val="tx1">
                     <a:lumMod val="65000"/>
@@ -7614,17 +7383,6 @@
               </a:rPr>
               <a:t>여행지 추천</a:t>
             </a:r>
-            <a:endParaRPr lang="ko-KR" altLang="en-US" sz="2400" b="1" spc="-60" dirty="0">
-              <a:solidFill>
-                <a:schemeClr val="tx1">
-                  <a:lumMod val="65000"/>
-                  <a:lumOff val="35000"/>
-                </a:schemeClr>
-              </a:solidFill>
-              <a:latin typeface="Microsoft GothicNeo" panose="020B0500000101010101" pitchFamily="50" charset="-127"/>
-              <a:ea typeface="Microsoft GothicNeo" panose="020B0500000101010101" pitchFamily="50" charset="-127"/>
-              <a:cs typeface="Microsoft GothicNeo" panose="020B0500000101010101" pitchFamily="50" charset="-127"/>
-            </a:endParaRPr>
           </a:p>
         </p:txBody>
       </p:sp>
@@ -7633,7 +7391,7 @@
           <p:cNvPr id="23" name="TextBox 22">
             <a:extLst>
               <a:ext uri="{FF2B5EF4-FFF2-40B4-BE49-F238E27FC236}">
-                <a16:creationId xmlns:a16="http://schemas.microsoft.com/office/drawing/2014/main" xmlns="" id="{21257469-E4A5-41E0-8336-CA6E826FB2D4}"/>
+                <a16:creationId xmlns:a16="http://schemas.microsoft.com/office/drawing/2014/main" id="{21257469-E4A5-41E0-8336-CA6E826FB2D4}"/>
               </a:ext>
             </a:extLst>
           </p:cNvPr>
@@ -7698,33 +7456,8 @@
                 <a:ea typeface="Microsoft GothicNeo" panose="020B0500000101010101" pitchFamily="50" charset="-127"/>
                 <a:cs typeface="Microsoft GothicNeo" panose="020B0500000101010101" pitchFamily="50" charset="-127"/>
               </a:rPr>
-              <a:t>기대 </a:t>
-            </a:r>
-            <a:r>
-              <a:rPr lang="ko-KR" altLang="en-US" sz="2400" b="1" spc="-60" dirty="0" smtClean="0">
-                <a:solidFill>
-                  <a:schemeClr val="tx1">
-                    <a:lumMod val="65000"/>
-                    <a:lumOff val="35000"/>
-                  </a:schemeClr>
-                </a:solidFill>
-                <a:latin typeface="Microsoft GothicNeo" panose="020B0500000101010101" pitchFamily="50" charset="-127"/>
-                <a:ea typeface="Microsoft GothicNeo" panose="020B0500000101010101" pitchFamily="50" charset="-127"/>
-                <a:cs typeface="Microsoft GothicNeo" panose="020B0500000101010101" pitchFamily="50" charset="-127"/>
-              </a:rPr>
-              <a:t>효과 및</a:t>
-            </a:r>
-            <a:endParaRPr lang="ko-KR" altLang="en-US" sz="2400" b="1" spc="-60" dirty="0">
-              <a:solidFill>
-                <a:schemeClr val="tx1">
-                  <a:lumMod val="65000"/>
-                  <a:lumOff val="35000"/>
-                </a:schemeClr>
-              </a:solidFill>
-              <a:latin typeface="Microsoft GothicNeo" panose="020B0500000101010101" pitchFamily="50" charset="-127"/>
-              <a:ea typeface="Microsoft GothicNeo" panose="020B0500000101010101" pitchFamily="50" charset="-127"/>
-              <a:cs typeface="Microsoft GothicNeo" panose="020B0500000101010101" pitchFamily="50" charset="-127"/>
-            </a:endParaRPr>
+              <a:t>기대 효과 및</a:t>
+            </a:r>
           </a:p>
           <a:p>
             <a:pPr defTabSz="975022" latinLnBrk="0">
@@ -7740,7 +7473,7 @@
               <a:buSzPct val="60000"/>
             </a:pPr>
             <a:r>
-              <a:rPr lang="ko-KR" altLang="en-US" sz="2400" b="1" spc="-60" dirty="0" smtClean="0">
+              <a:rPr lang="ko-KR" altLang="en-US" sz="2400" b="1" spc="-60" dirty="0">
                 <a:solidFill>
                   <a:schemeClr val="tx1">
                     <a:lumMod val="65000"/>
@@ -7751,21 +7484,7 @@
                 <a:ea typeface="Microsoft GothicNeo" panose="020B0500000101010101" pitchFamily="50" charset="-127"/>
                 <a:cs typeface="Microsoft GothicNeo" panose="020B0500000101010101" pitchFamily="50" charset="-127"/>
               </a:rPr>
-              <a:t>향후 </a:t>
-            </a:r>
-            <a:r>
-              <a:rPr lang="ko-KR" altLang="en-US" sz="2400" b="1" spc="-60" dirty="0">
-                <a:solidFill>
-                  <a:schemeClr val="tx1">
-                    <a:lumMod val="65000"/>
-                    <a:lumOff val="35000"/>
-                  </a:schemeClr>
-                </a:solidFill>
-                <a:latin typeface="Microsoft GothicNeo" panose="020B0500000101010101" pitchFamily="50" charset="-127"/>
-                <a:ea typeface="Microsoft GothicNeo" panose="020B0500000101010101" pitchFamily="50" charset="-127"/>
-                <a:cs typeface="Microsoft GothicNeo" panose="020B0500000101010101" pitchFamily="50" charset="-127"/>
-              </a:rPr>
-              <a:t>발전 방향</a:t>
+              <a:t>향후 발전 방향</a:t>
             </a:r>
           </a:p>
         </p:txBody>
@@ -7780,13 +7499,6 @@
   <p:clrMapOvr>
     <a:masterClrMapping/>
   </p:clrMapOvr>
-  <p:timing>
-    <p:tnLst>
-      <p:par>
-        <p:cTn id="1" dur="indefinite" restart="never" nodeType="tmRoot"/>
-      </p:par>
-    </p:tnLst>
-  </p:timing>
 </p:sld>
 </file>
 
@@ -7812,7 +7524,7 @@
           <p:cNvPr id="8" name="제목 5">
             <a:extLst>
               <a:ext uri="{FF2B5EF4-FFF2-40B4-BE49-F238E27FC236}">
-                <a16:creationId xmlns:a16="http://schemas.microsoft.com/office/drawing/2014/main" xmlns="" id="{F857FEE6-CE74-4372-A25E-EBDAEF626DA7}"/>
+                <a16:creationId xmlns:a16="http://schemas.microsoft.com/office/drawing/2014/main" id="{F857FEE6-CE74-4372-A25E-EBDAEF626DA7}"/>
               </a:ext>
             </a:extLst>
           </p:cNvPr>
@@ -7948,7 +7660,7 @@
               <a:t> </a:t>
             </a:r>
             <a:r>
-              <a:rPr lang="ko-KR" altLang="en-US" sz="2000" dirty="0" smtClean="0">
+              <a:rPr lang="ko-KR" altLang="en-US" sz="2000" dirty="0">
                 <a:solidFill>
                   <a:schemeClr val="bg1"/>
                 </a:solidFill>
@@ -7959,7 +7671,7 @@
               <a:t>및</a:t>
             </a:r>
             <a:r>
-              <a:rPr lang="en-US" altLang="ko-KR" sz="2000" dirty="0" smtClean="0">
+              <a:rPr lang="en-US" altLang="ko-KR" sz="2000" dirty="0">
                 <a:solidFill>
                   <a:schemeClr val="bg1"/>
                 </a:solidFill>
@@ -7988,7 +7700,7 @@
           <p:cNvPr id="3" name="TextBox 2">
             <a:extLst>
               <a:ext uri="{FF2B5EF4-FFF2-40B4-BE49-F238E27FC236}">
-                <a16:creationId xmlns:a16="http://schemas.microsoft.com/office/drawing/2014/main" xmlns="" id="{D19D6D36-5795-404A-950B-97938A24D4C0}"/>
+                <a16:creationId xmlns:a16="http://schemas.microsoft.com/office/drawing/2014/main" id="{D19D6D36-5795-404A-950B-97938A24D4C0}"/>
               </a:ext>
             </a:extLst>
           </p:cNvPr>
@@ -8030,7 +7742,7 @@
               <a:buChar char="l"/>
             </a:pPr>
             <a:r>
-              <a:rPr lang="ko-KR" altLang="en-US" sz="1500" b="1" spc="-60" dirty="0" smtClean="0">
+              <a:rPr lang="ko-KR" altLang="en-US" sz="1500" b="1" spc="-60" dirty="0">
                 <a:solidFill>
                   <a:schemeClr val="tx1">
                     <a:lumMod val="65000"/>
@@ -8041,15 +7753,6 @@
               </a:rPr>
               <a:t>유럽 여행 시 한국인은 기존에 잘 알려진 도시만을 방문하는 경향성이 큼</a:t>
             </a:r>
-            <a:endParaRPr lang="ko-KR" altLang="en-US" sz="1500" b="1" spc="-60" dirty="0">
-              <a:solidFill>
-                <a:schemeClr val="tx1">
-                  <a:lumMod val="65000"/>
-                  <a:lumOff val="35000"/>
-                </a:schemeClr>
-              </a:solidFill>
-              <a:latin typeface="+mn-ea"/>
-            </a:endParaRPr>
           </a:p>
         </p:txBody>
       </p:sp>
@@ -8058,7 +7761,7 @@
           <p:cNvPr id="39" name="TextBox 38">
             <a:extLst>
               <a:ext uri="{FF2B5EF4-FFF2-40B4-BE49-F238E27FC236}">
-                <a16:creationId xmlns:a16="http://schemas.microsoft.com/office/drawing/2014/main" xmlns="" id="{F423075F-DE4B-43D2-BB9D-FF034016B7B7}"/>
+                <a16:creationId xmlns:a16="http://schemas.microsoft.com/office/drawing/2014/main" id="{F423075F-DE4B-43D2-BB9D-FF034016B7B7}"/>
               </a:ext>
             </a:extLst>
           </p:cNvPr>
@@ -8100,7 +7803,7 @@
               <a:buChar char="l"/>
             </a:pPr>
             <a:r>
-              <a:rPr lang="ko-KR" altLang="en-US" sz="1500" b="1" spc="-60" dirty="0" smtClean="0">
+              <a:rPr lang="ko-KR" altLang="en-US" sz="1500" b="1" spc="-60" dirty="0">
                 <a:solidFill>
                   <a:schemeClr val="tx1">
                     <a:lumMod val="65000"/>
@@ -8111,15 +7814,6 @@
               </a:rPr>
               <a:t>기존에 알려진 곳은 이미 너무 많은 관광객으로 인해 여행지로서의 매력이 떨어짐</a:t>
             </a:r>
-            <a:endParaRPr lang="ko-KR" altLang="en-US" sz="1500" b="1" spc="-60" dirty="0">
-              <a:solidFill>
-                <a:schemeClr val="tx1">
-                  <a:lumMod val="65000"/>
-                  <a:lumOff val="35000"/>
-                </a:schemeClr>
-              </a:solidFill>
-              <a:latin typeface="+mn-ea"/>
-            </a:endParaRPr>
           </a:p>
         </p:txBody>
       </p:sp>
@@ -8128,7 +7822,7 @@
           <p:cNvPr id="40" name="TextBox 39">
             <a:extLst>
               <a:ext uri="{FF2B5EF4-FFF2-40B4-BE49-F238E27FC236}">
-                <a16:creationId xmlns:a16="http://schemas.microsoft.com/office/drawing/2014/main" xmlns="" id="{09F557F6-F0A5-490C-86D5-70CD6AA4219D}"/>
+                <a16:creationId xmlns:a16="http://schemas.microsoft.com/office/drawing/2014/main" id="{09F557F6-F0A5-490C-86D5-70CD6AA4219D}"/>
               </a:ext>
             </a:extLst>
           </p:cNvPr>
@@ -8170,7 +7864,7 @@
               <a:buChar char="l"/>
             </a:pPr>
             <a:r>
-              <a:rPr lang="ko-KR" altLang="en-US" sz="1500" b="1" spc="-60" dirty="0" smtClean="0">
+              <a:rPr lang="ko-KR" altLang="en-US" sz="1500" b="1" spc="-60" dirty="0">
                 <a:solidFill>
                   <a:schemeClr val="tx1">
                     <a:lumMod val="65000"/>
@@ -8181,15 +7875,6 @@
               </a:rPr>
               <a:t>외국인에게는 알려져 있지만 한국인은 모르는 지역을 추천해줌으로써 남들과는 차별화되는 특별한 여행지에서의 경험을 선사</a:t>
             </a:r>
-            <a:endParaRPr lang="ko-KR" altLang="en-US" sz="1500" b="1" spc="-60" dirty="0">
-              <a:solidFill>
-                <a:schemeClr val="tx1">
-                  <a:lumMod val="65000"/>
-                  <a:lumOff val="35000"/>
-                </a:schemeClr>
-              </a:solidFill>
-              <a:latin typeface="+mn-ea"/>
-            </a:endParaRPr>
           </a:p>
         </p:txBody>
       </p:sp>
@@ -8203,13 +7888,6 @@
   <p:clrMapOvr>
     <a:masterClrMapping/>
   </p:clrMapOvr>
-  <p:timing>
-    <p:tnLst>
-      <p:par>
-        <p:cTn id="1" dur="indefinite" restart="never" nodeType="tmRoot"/>
-      </p:par>
-    </p:tnLst>
-  </p:timing>
 </p:sld>
 </file>
 
@@ -8252,7 +7930,7 @@
         </p:blipFill>
         <p:spPr>
           <a:xfrm>
-            <a:off x="2005420" y="1879232"/>
+            <a:off x="2005419" y="1879232"/>
             <a:ext cx="1116125" cy="1116125"/>
           </a:xfrm>
           <a:prstGeom prst="rect">
@@ -8265,7 +7943,7 @@
           <p:cNvPr id="9" name="TextBox 8">
             <a:extLst>
               <a:ext uri="{FF2B5EF4-FFF2-40B4-BE49-F238E27FC236}">
-                <a16:creationId xmlns="" xmlns:a16="http://schemas.microsoft.com/office/drawing/2014/main" id="{FADD5F63-4AF7-48AE-838F-1AA8156BB3C4}"/>
+                <a16:creationId xmlns:a16="http://schemas.microsoft.com/office/drawing/2014/main" id="{FADD5F63-4AF7-48AE-838F-1AA8156BB3C4}"/>
               </a:ext>
             </a:extLst>
           </p:cNvPr>
@@ -8274,7 +7952,7 @@
         </p:nvSpPr>
         <p:spPr>
           <a:xfrm>
-            <a:off x="1023016" y="1359510"/>
+            <a:off x="1023015" y="1359510"/>
             <a:ext cx="3080932" cy="433452"/>
           </a:xfrm>
           <a:prstGeom prst="rect">
@@ -8305,7 +7983,7 @@
               <a:buSzPct val="60000"/>
             </a:pPr>
             <a:r>
-              <a:rPr lang="en-US" altLang="ko-KR" sz="1200" b="1" spc="-60" dirty="0" smtClean="0">
+              <a:rPr lang="en-US" altLang="ko-KR" sz="1200" b="1" spc="-60" dirty="0">
                 <a:solidFill>
                   <a:schemeClr val="tx1">
                     <a:lumMod val="65000"/>
@@ -8331,7 +8009,7 @@
               <a:buSzPct val="60000"/>
             </a:pPr>
             <a:r>
-              <a:rPr lang="ko-KR" altLang="en-US" sz="1200" b="1" spc="-60" dirty="0" smtClean="0">
+              <a:rPr lang="ko-KR" altLang="en-US" sz="1200" b="1" spc="-60" dirty="0">
                 <a:solidFill>
                   <a:schemeClr val="tx1">
                     <a:lumMod val="65000"/>
@@ -8342,7 +8020,7 @@
               </a:rPr>
               <a:t>한국인이 자주 방문하는 도시 </a:t>
             </a:r>
-            <a:endParaRPr lang="en-US" altLang="ko-KR" sz="1200" b="1" spc="-60" dirty="0" smtClean="0">
+            <a:endParaRPr lang="en-US" altLang="ko-KR" sz="1200" b="1" spc="-60" dirty="0">
               <a:solidFill>
                 <a:schemeClr val="tx1">
                   <a:lumMod val="65000"/>
@@ -8389,7 +8067,7 @@
           <p:cNvPr id="11" name="TextBox 10">
             <a:extLst>
               <a:ext uri="{FF2B5EF4-FFF2-40B4-BE49-F238E27FC236}">
-                <a16:creationId xmlns="" xmlns:a16="http://schemas.microsoft.com/office/drawing/2014/main" id="{FADD5F63-4AF7-48AE-838F-1AA8156BB3C4}"/>
+                <a16:creationId xmlns:a16="http://schemas.microsoft.com/office/drawing/2014/main" id="{FADD5F63-4AF7-48AE-838F-1AA8156BB3C4}"/>
               </a:ext>
             </a:extLst>
           </p:cNvPr>
@@ -8429,7 +8107,7 @@
               <a:buSzPct val="60000"/>
             </a:pPr>
             <a:r>
-              <a:rPr lang="en-US" altLang="ko-KR" sz="1200" b="1" spc="-60" dirty="0" smtClean="0">
+              <a:rPr lang="en-US" altLang="ko-KR" sz="1200" b="1" spc="-60" dirty="0">
                 <a:solidFill>
                   <a:schemeClr val="tx1">
                     <a:lumMod val="65000"/>
@@ -8455,7 +8133,7 @@
               <a:buSzPct val="60000"/>
             </a:pPr>
             <a:r>
-              <a:rPr lang="ko-KR" altLang="en-US" sz="1200" b="1" spc="-60" dirty="0" smtClean="0">
+              <a:rPr lang="ko-KR" altLang="en-US" sz="1200" b="1" spc="-60" dirty="0">
                 <a:solidFill>
                   <a:schemeClr val="tx1">
                     <a:lumMod val="65000"/>
@@ -8466,7 +8144,7 @@
               </a:rPr>
               <a:t>외국인이 자주 방문하는 도시 </a:t>
             </a:r>
-            <a:endParaRPr lang="en-US" altLang="ko-KR" sz="1200" b="1" spc="-60" dirty="0" smtClean="0">
+            <a:endParaRPr lang="en-US" altLang="ko-KR" sz="1200" b="1" spc="-60" dirty="0">
               <a:solidFill>
                 <a:schemeClr val="tx1">
                   <a:lumMod val="65000"/>
@@ -8483,7 +8161,7 @@
           <p:cNvPr id="13" name="TextBox 12">
             <a:extLst>
               <a:ext uri="{FF2B5EF4-FFF2-40B4-BE49-F238E27FC236}">
-                <a16:creationId xmlns="" xmlns:a16="http://schemas.microsoft.com/office/drawing/2014/main" id="{FADD5F63-4AF7-48AE-838F-1AA8156BB3C4}"/>
+                <a16:creationId xmlns:a16="http://schemas.microsoft.com/office/drawing/2014/main" id="{FADD5F63-4AF7-48AE-838F-1AA8156BB3C4}"/>
               </a:ext>
             </a:extLst>
           </p:cNvPr>
@@ -8523,7 +8201,7 @@
               <a:buSzPct val="60000"/>
             </a:pPr>
             <a:r>
-              <a:rPr lang="ko-KR" altLang="en-US" sz="1200" b="1" spc="-60" dirty="0" smtClean="0">
+              <a:rPr lang="ko-KR" altLang="en-US" sz="1200" b="1" spc="-60" dirty="0">
                 <a:solidFill>
                   <a:schemeClr val="tx1">
                     <a:lumMod val="65000"/>
@@ -8534,7 +8212,7 @@
               </a:rPr>
               <a:t>비교 </a:t>
             </a:r>
-            <a:endParaRPr lang="en-US" altLang="ko-KR" sz="1200" b="1" spc="-60" dirty="0" smtClean="0">
+            <a:endParaRPr lang="en-US" altLang="ko-KR" sz="1200" b="1" spc="-60" dirty="0">
               <a:solidFill>
                 <a:schemeClr val="tx1">
                   <a:lumMod val="65000"/>
@@ -8656,7 +8334,7 @@
           <p:cNvPr id="21" name="TextBox 20">
             <a:extLst>
               <a:ext uri="{FF2B5EF4-FFF2-40B4-BE49-F238E27FC236}">
-                <a16:creationId xmlns="" xmlns:a16="http://schemas.microsoft.com/office/drawing/2014/main" id="{FADD5F63-4AF7-48AE-838F-1AA8156BB3C4}"/>
+                <a16:creationId xmlns:a16="http://schemas.microsoft.com/office/drawing/2014/main" id="{FADD5F63-4AF7-48AE-838F-1AA8156BB3C4}"/>
               </a:ext>
             </a:extLst>
           </p:cNvPr>
@@ -8696,7 +8374,7 @@
               <a:buSzPct val="60000"/>
             </a:pPr>
             <a:r>
-              <a:rPr lang="en-US" altLang="ko-KR" sz="1200" b="1" spc="-60" dirty="0" smtClean="0">
+              <a:rPr lang="en-US" altLang="ko-KR" sz="1200" b="1" spc="-60" dirty="0">
                 <a:solidFill>
                   <a:schemeClr val="tx1">
                     <a:lumMod val="65000"/>
@@ -8722,7 +8400,7 @@
               <a:buSzPct val="60000"/>
             </a:pPr>
             <a:r>
-              <a:rPr lang="ko-KR" altLang="en-US" sz="1200" b="1" spc="-60" dirty="0" smtClean="0">
+              <a:rPr lang="ko-KR" altLang="en-US" sz="1200" b="1" spc="-60" dirty="0">
                 <a:solidFill>
                   <a:schemeClr val="tx1">
                     <a:lumMod val="65000"/>
@@ -8733,7 +8411,7 @@
               </a:rPr>
               <a:t>한국인만 모르는 도시 </a:t>
             </a:r>
-            <a:endParaRPr lang="en-US" altLang="ko-KR" sz="1200" b="1" spc="-60" dirty="0" smtClean="0">
+            <a:endParaRPr lang="en-US" altLang="ko-KR" sz="1200" b="1" spc="-60" dirty="0">
               <a:solidFill>
                 <a:schemeClr val="tx1">
                   <a:lumMod val="65000"/>
@@ -8786,7 +8464,7 @@
           <p:cNvPr id="24" name="TextBox 23">
             <a:extLst>
               <a:ext uri="{FF2B5EF4-FFF2-40B4-BE49-F238E27FC236}">
-                <a16:creationId xmlns="" xmlns:a16="http://schemas.microsoft.com/office/drawing/2014/main" id="{FADD5F63-4AF7-48AE-838F-1AA8156BB3C4}"/>
+                <a16:creationId xmlns:a16="http://schemas.microsoft.com/office/drawing/2014/main" id="{FADD5F63-4AF7-48AE-838F-1AA8156BB3C4}"/>
               </a:ext>
             </a:extLst>
           </p:cNvPr>
@@ -8826,7 +8504,7 @@
               <a:buSzPct val="60000"/>
             </a:pPr>
             <a:r>
-              <a:rPr lang="en-US" altLang="ko-KR" sz="1200" b="1" spc="-60" dirty="0" smtClean="0">
+              <a:rPr lang="en-US" altLang="ko-KR" sz="1200" b="1" spc="-60" dirty="0">
                 <a:solidFill>
                   <a:srgbClr val="FF0000"/>
                 </a:solidFill>
@@ -8849,7 +8527,7 @@
               <a:buSzPct val="60000"/>
             </a:pPr>
             <a:r>
-              <a:rPr lang="ko-KR" altLang="en-US" sz="1200" b="1" spc="-60" dirty="0" smtClean="0">
+              <a:rPr lang="ko-KR" altLang="en-US" sz="1200" b="1" spc="-60" dirty="0">
                 <a:solidFill>
                   <a:srgbClr val="FF0000"/>
                 </a:solidFill>
@@ -8857,7 +8535,7 @@
               </a:rPr>
               <a:t>최종 추천 도시 </a:t>
             </a:r>
-            <a:endParaRPr lang="en-US" altLang="ko-KR" sz="1200" b="1" spc="-60" dirty="0" smtClean="0">
+            <a:endParaRPr lang="en-US" altLang="ko-KR" sz="1200" b="1" spc="-60" dirty="0">
               <a:solidFill>
                 <a:srgbClr val="FF0000"/>
               </a:solidFill>
@@ -8871,7 +8549,7 @@
           <p:cNvPr id="15" name="제목 5">
             <a:extLst>
               <a:ext uri="{FF2B5EF4-FFF2-40B4-BE49-F238E27FC236}">
-                <a16:creationId xmlns:a16="http://schemas.microsoft.com/office/drawing/2014/main" xmlns="" id="{F857FEE6-CE74-4372-A25E-EBDAEF626DA7}"/>
+                <a16:creationId xmlns:a16="http://schemas.microsoft.com/office/drawing/2014/main" id="{F857FEE6-CE74-4372-A25E-EBDAEF626DA7}"/>
               </a:ext>
             </a:extLst>
           </p:cNvPr>
@@ -8982,10 +8660,10 @@
                 <a:ea typeface="Microsoft GothicNeo" panose="020B0500000101010101" pitchFamily="50" charset="-127"/>
                 <a:cs typeface="Microsoft GothicNeo" panose="020B0500000101010101" pitchFamily="50" charset="-127"/>
               </a:rPr>
-              <a:t>2</a:t>
-            </a:r>
-            <a:r>
-              <a:rPr lang="en-US" altLang="ko-KR" sz="2000" dirty="0" smtClean="0">
+              <a:t>2 I </a:t>
+            </a:r>
+            <a:r>
+              <a:rPr lang="ko-KR" altLang="en-US" sz="2000" dirty="0">
                 <a:solidFill>
                   <a:schemeClr val="bg1"/>
                 </a:solidFill>
@@ -8993,7 +8671,7 @@
                 <a:ea typeface="Microsoft GothicNeo" panose="020B0500000101010101" pitchFamily="50" charset="-127"/>
                 <a:cs typeface="Microsoft GothicNeo" panose="020B0500000101010101" pitchFamily="50" charset="-127"/>
               </a:rPr>
-              <a:t> </a:t>
+              <a:t>여행지 추천 방법</a:t>
             </a:r>
             <a:r>
               <a:rPr lang="en-US" altLang="ko-KR" sz="2000" dirty="0">
@@ -9004,10 +8682,10 @@
                 <a:ea typeface="Microsoft GothicNeo" panose="020B0500000101010101" pitchFamily="50" charset="-127"/>
                 <a:cs typeface="Microsoft GothicNeo" panose="020B0500000101010101" pitchFamily="50" charset="-127"/>
               </a:rPr>
-              <a:t>I </a:t>
-            </a:r>
-            <a:r>
-              <a:rPr lang="ko-KR" altLang="en-US" sz="2000" dirty="0" smtClean="0">
+              <a:t> – </a:t>
+            </a:r>
+            <a:r>
+              <a:rPr lang="ko-KR" altLang="en-US" sz="2000" dirty="0">
                 <a:solidFill>
                   <a:schemeClr val="bg1"/>
                 </a:solidFill>
@@ -9015,49 +8693,8 @@
                 <a:ea typeface="Microsoft GothicNeo" panose="020B0500000101010101" pitchFamily="50" charset="-127"/>
                 <a:cs typeface="Microsoft GothicNeo" panose="020B0500000101010101" pitchFamily="50" charset="-127"/>
               </a:rPr>
-              <a:t>여행지 추천 방법</a:t>
-            </a:r>
-            <a:r>
-              <a:rPr lang="en-US" altLang="ko-KR" sz="2000" dirty="0">
-                <a:solidFill>
-                  <a:schemeClr val="bg1"/>
-                </a:solidFill>
-                <a:latin typeface="Microsoft GothicNeo" panose="020B0500000101010101" pitchFamily="50" charset="-127"/>
-                <a:ea typeface="Microsoft GothicNeo" panose="020B0500000101010101" pitchFamily="50" charset="-127"/>
-                <a:cs typeface="Microsoft GothicNeo" panose="020B0500000101010101" pitchFamily="50" charset="-127"/>
-              </a:rPr>
-              <a:t> </a:t>
-            </a:r>
-            <a:r>
-              <a:rPr lang="en-US" altLang="ko-KR" sz="2000" dirty="0" smtClean="0">
-                <a:solidFill>
-                  <a:schemeClr val="bg1"/>
-                </a:solidFill>
-                <a:latin typeface="Microsoft GothicNeo" panose="020B0500000101010101" pitchFamily="50" charset="-127"/>
-                <a:ea typeface="Microsoft GothicNeo" panose="020B0500000101010101" pitchFamily="50" charset="-127"/>
-                <a:cs typeface="Microsoft GothicNeo" panose="020B0500000101010101" pitchFamily="50" charset="-127"/>
-              </a:rPr>
-              <a:t>– </a:t>
-            </a:r>
-            <a:r>
-              <a:rPr lang="ko-KR" altLang="en-US" sz="2000" dirty="0" smtClean="0">
-                <a:solidFill>
-                  <a:schemeClr val="bg1"/>
-                </a:solidFill>
-                <a:latin typeface="Microsoft GothicNeo" panose="020B0500000101010101" pitchFamily="50" charset="-127"/>
-                <a:ea typeface="Microsoft GothicNeo" panose="020B0500000101010101" pitchFamily="50" charset="-127"/>
-                <a:cs typeface="Microsoft GothicNeo" panose="020B0500000101010101" pitchFamily="50" charset="-127"/>
-              </a:rPr>
               <a:t>추천 도시 선정</a:t>
             </a:r>
-            <a:endParaRPr lang="ko-KR" altLang="en-US" sz="2000" dirty="0">
-              <a:solidFill>
-                <a:schemeClr val="bg1"/>
-              </a:solidFill>
-              <a:latin typeface="Microsoft GothicNeo" panose="020B0500000101010101" pitchFamily="50" charset="-127"/>
-              <a:ea typeface="Microsoft GothicNeo" panose="020B0500000101010101" pitchFamily="50" charset="-127"/>
-              <a:cs typeface="Microsoft GothicNeo" panose="020B0500000101010101" pitchFamily="50" charset="-127"/>
-            </a:endParaRPr>
           </a:p>
         </p:txBody>
       </p:sp>
@@ -9142,7 +8779,7 @@
           <p:cNvPr id="25" name="TextBox 24">
             <a:extLst>
               <a:ext uri="{FF2B5EF4-FFF2-40B4-BE49-F238E27FC236}">
-                <a16:creationId xmlns="" xmlns:a16="http://schemas.microsoft.com/office/drawing/2014/main" id="{FADD5F63-4AF7-48AE-838F-1AA8156BB3C4}"/>
+                <a16:creationId xmlns:a16="http://schemas.microsoft.com/office/drawing/2014/main" id="{FADD5F63-4AF7-48AE-838F-1AA8156BB3C4}"/>
               </a:ext>
             </a:extLst>
           </p:cNvPr>
@@ -9182,7 +8819,7 @@
               <a:buSzPct val="60000"/>
             </a:pPr>
             <a:r>
-              <a:rPr lang="ko-KR" altLang="en-US" sz="1200" b="1" spc="-60" smtClean="0">
+              <a:rPr lang="ko-KR" altLang="en-US" sz="1200" b="1" spc="-60">
                 <a:solidFill>
                   <a:schemeClr val="tx1">
                     <a:lumMod val="65000"/>
@@ -9193,7 +8830,7 @@
               </a:rPr>
               <a:t>유사도 분석 </a:t>
             </a:r>
-            <a:endParaRPr lang="en-US" altLang="ko-KR" sz="1200" b="1" spc="-60" dirty="0" smtClean="0">
+            <a:endParaRPr lang="en-US" altLang="ko-KR" sz="1200" b="1" spc="-60" dirty="0">
               <a:solidFill>
                 <a:schemeClr val="tx1">
                   <a:lumMod val="65000"/>
@@ -9253,13 +8890,6 @@
   <p:clrMapOvr>
     <a:masterClrMapping/>
   </p:clrMapOvr>
-  <p:timing>
-    <p:tnLst>
-      <p:par>
-        <p:cTn id="1" dur="indefinite" restart="never" nodeType="tmRoot"/>
-      </p:par>
-    </p:tnLst>
-  </p:timing>
 </p:sld>
 </file>
 
@@ -9285,7 +8915,7 @@
           <p:cNvPr id="19" name="TextBox 18">
             <a:extLst>
               <a:ext uri="{FF2B5EF4-FFF2-40B4-BE49-F238E27FC236}">
-                <a16:creationId xmlns:a16="http://schemas.microsoft.com/office/drawing/2014/main" xmlns="" id="{FADD5F63-4AF7-48AE-838F-1AA8156BB3C4}"/>
+                <a16:creationId xmlns:a16="http://schemas.microsoft.com/office/drawing/2014/main" id="{FADD5F63-4AF7-48AE-838F-1AA8156BB3C4}"/>
               </a:ext>
             </a:extLst>
           </p:cNvPr>
@@ -9327,7 +8957,7 @@
               <a:buChar char="l"/>
             </a:pPr>
             <a:r>
-              <a:rPr lang="ko-KR" altLang="en-US" sz="1500" b="1" spc="-60" dirty="0" smtClean="0">
+              <a:rPr lang="ko-KR" altLang="en-US" sz="1500" b="1" spc="-60" dirty="0">
                 <a:solidFill>
                   <a:schemeClr val="tx1">
                     <a:lumMod val="65000"/>
@@ -9339,7 +8969,7 @@
               <a:t>한국인이 자주 방문하는 도시 선정 </a:t>
             </a:r>
             <a:r>
-              <a:rPr lang="en-US" altLang="ko-KR" sz="1500" b="1" spc="-60" dirty="0" smtClean="0">
+              <a:rPr lang="en-US" altLang="ko-KR" sz="1500" b="1" spc="-60" dirty="0">
                 <a:solidFill>
                   <a:schemeClr val="tx1">
                     <a:lumMod val="65000"/>
@@ -9365,7 +8995,7 @@
               <a:buSzPct val="60000"/>
             </a:pPr>
             <a:r>
-              <a:rPr lang="en-US" altLang="ko-KR" sz="1500" b="1" spc="-60" dirty="0" smtClean="0">
+              <a:rPr lang="en-US" altLang="ko-KR" sz="1500" b="1" spc="-60" dirty="0">
                 <a:solidFill>
                   <a:schemeClr val="tx1">
                     <a:lumMod val="65000"/>
@@ -9377,7 +9007,7 @@
               <a:t>    - </a:t>
             </a:r>
             <a:r>
-              <a:rPr lang="ko-KR" altLang="en-US" sz="1500" b="1" spc="-60" dirty="0" err="1" smtClean="0">
+              <a:rPr lang="ko-KR" altLang="en-US" sz="1500" b="1" spc="-60" dirty="0" err="1">
                 <a:solidFill>
                   <a:schemeClr val="tx1">
                     <a:lumMod val="65000"/>
@@ -9389,7 +9019,7 @@
               <a:t>네이버</a:t>
             </a:r>
             <a:r>
-              <a:rPr lang="ko-KR" altLang="en-US" sz="1500" b="1" spc="-60" dirty="0" smtClean="0">
+              <a:rPr lang="ko-KR" altLang="en-US" sz="1500" b="1" spc="-60" dirty="0">
                 <a:solidFill>
                   <a:schemeClr val="tx1">
                     <a:lumMod val="65000"/>
@@ -9401,7 +9031,7 @@
               <a:t> 카페 </a:t>
             </a:r>
             <a:r>
-              <a:rPr lang="en-US" altLang="ko-KR" sz="1500" b="1" spc="-60" dirty="0" smtClean="0">
+              <a:rPr lang="en-US" altLang="ko-KR" sz="1500" b="1" spc="-60" dirty="0">
                 <a:solidFill>
                   <a:schemeClr val="tx1">
                     <a:lumMod val="65000"/>
@@ -9413,7 +9043,7 @@
               <a:t>‘</a:t>
             </a:r>
             <a:r>
-              <a:rPr lang="ko-KR" altLang="en-US" sz="1500" b="1" spc="-60" dirty="0" smtClean="0">
+              <a:rPr lang="ko-KR" altLang="en-US" sz="1500" b="1" spc="-60" dirty="0">
                 <a:solidFill>
                   <a:schemeClr val="tx1">
                     <a:lumMod val="65000"/>
@@ -9425,7 +9055,7 @@
               <a:t>유랑</a:t>
             </a:r>
             <a:r>
-              <a:rPr lang="en-US" altLang="ko-KR" sz="1500" b="1" spc="-60" dirty="0" smtClean="0">
+              <a:rPr lang="en-US" altLang="ko-KR" sz="1500" b="1" spc="-60" dirty="0">
                 <a:solidFill>
                   <a:schemeClr val="tx1">
                     <a:lumMod val="65000"/>
@@ -9437,7 +9067,7 @@
               <a:t>‘</a:t>
             </a:r>
             <a:r>
-              <a:rPr lang="ko-KR" altLang="en-US" sz="1500" b="1" spc="-60" dirty="0" smtClean="0">
+              <a:rPr lang="ko-KR" altLang="en-US" sz="1500" b="1" spc="-60" dirty="0">
                 <a:solidFill>
                   <a:schemeClr val="tx1">
                     <a:lumMod val="65000"/>
@@ -9448,15 +9078,6 @@
               </a:rPr>
               <a:t>의 나라 별 게시판에서 해당 국가의 도시들이 언급되는 수를 리스트 업</a:t>
             </a:r>
-            <a:endParaRPr lang="ko-KR" altLang="en-US" sz="1500" b="1" spc="-60" dirty="0">
-              <a:solidFill>
-                <a:schemeClr val="tx1">
-                  <a:lumMod val="65000"/>
-                  <a:lumOff val="35000"/>
-                </a:schemeClr>
-              </a:solidFill>
-              <a:latin typeface="+mn-ea"/>
-            </a:endParaRPr>
           </a:p>
         </p:txBody>
       </p:sp>
@@ -9510,7 +9131,7 @@
           <p:cNvPr id="5" name="제목 5">
             <a:extLst>
               <a:ext uri="{FF2B5EF4-FFF2-40B4-BE49-F238E27FC236}">
-                <a16:creationId xmlns:a16="http://schemas.microsoft.com/office/drawing/2014/main" xmlns="" id="{F857FEE6-CE74-4372-A25E-EBDAEF626DA7}"/>
+                <a16:creationId xmlns:a16="http://schemas.microsoft.com/office/drawing/2014/main" id="{F857FEE6-CE74-4372-A25E-EBDAEF626DA7}"/>
               </a:ext>
             </a:extLst>
           </p:cNvPr>
@@ -9621,10 +9242,10 @@
                 <a:ea typeface="Microsoft GothicNeo" panose="020B0500000101010101" pitchFamily="50" charset="-127"/>
                 <a:cs typeface="Microsoft GothicNeo" panose="020B0500000101010101" pitchFamily="50" charset="-127"/>
               </a:rPr>
-              <a:t>2</a:t>
-            </a:r>
-            <a:r>
-              <a:rPr lang="en-US" altLang="ko-KR" sz="2000" dirty="0" smtClean="0">
+              <a:t>2 I </a:t>
+            </a:r>
+            <a:r>
+              <a:rPr lang="ko-KR" altLang="en-US" sz="2000" dirty="0">
                 <a:solidFill>
                   <a:schemeClr val="bg1"/>
                 </a:solidFill>
@@ -9632,7 +9253,7 @@
                 <a:ea typeface="Microsoft GothicNeo" panose="020B0500000101010101" pitchFamily="50" charset="-127"/>
                 <a:cs typeface="Microsoft GothicNeo" panose="020B0500000101010101" pitchFamily="50" charset="-127"/>
               </a:rPr>
-              <a:t> </a:t>
+              <a:t>여행지 추천 방법</a:t>
             </a:r>
             <a:r>
               <a:rPr lang="en-US" altLang="ko-KR" sz="2000" dirty="0">
@@ -9643,10 +9264,10 @@
                 <a:ea typeface="Microsoft GothicNeo" panose="020B0500000101010101" pitchFamily="50" charset="-127"/>
                 <a:cs typeface="Microsoft GothicNeo" panose="020B0500000101010101" pitchFamily="50" charset="-127"/>
               </a:rPr>
-              <a:t>I </a:t>
-            </a:r>
-            <a:r>
-              <a:rPr lang="ko-KR" altLang="en-US" sz="2000" dirty="0" smtClean="0">
+              <a:t> – </a:t>
+            </a:r>
+            <a:r>
+              <a:rPr lang="ko-KR" altLang="en-US" sz="2000" dirty="0">
                 <a:solidFill>
                   <a:schemeClr val="bg1"/>
                 </a:solidFill>
@@ -9654,49 +9275,8 @@
                 <a:ea typeface="Microsoft GothicNeo" panose="020B0500000101010101" pitchFamily="50" charset="-127"/>
                 <a:cs typeface="Microsoft GothicNeo" panose="020B0500000101010101" pitchFamily="50" charset="-127"/>
               </a:rPr>
-              <a:t>여행지 추천 방법</a:t>
-            </a:r>
-            <a:r>
-              <a:rPr lang="en-US" altLang="ko-KR" sz="2000" dirty="0">
-                <a:solidFill>
-                  <a:schemeClr val="bg1"/>
-                </a:solidFill>
-                <a:latin typeface="Microsoft GothicNeo" panose="020B0500000101010101" pitchFamily="50" charset="-127"/>
-                <a:ea typeface="Microsoft GothicNeo" panose="020B0500000101010101" pitchFamily="50" charset="-127"/>
-                <a:cs typeface="Microsoft GothicNeo" panose="020B0500000101010101" pitchFamily="50" charset="-127"/>
-              </a:rPr>
-              <a:t> </a:t>
-            </a:r>
-            <a:r>
-              <a:rPr lang="en-US" altLang="ko-KR" sz="2000" dirty="0" smtClean="0">
-                <a:solidFill>
-                  <a:schemeClr val="bg1"/>
-                </a:solidFill>
-                <a:latin typeface="Microsoft GothicNeo" panose="020B0500000101010101" pitchFamily="50" charset="-127"/>
-                <a:ea typeface="Microsoft GothicNeo" panose="020B0500000101010101" pitchFamily="50" charset="-127"/>
-                <a:cs typeface="Microsoft GothicNeo" panose="020B0500000101010101" pitchFamily="50" charset="-127"/>
-              </a:rPr>
-              <a:t>– </a:t>
-            </a:r>
-            <a:r>
-              <a:rPr lang="ko-KR" altLang="en-US" sz="2000" dirty="0" smtClean="0">
-                <a:solidFill>
-                  <a:schemeClr val="bg1"/>
-                </a:solidFill>
-                <a:latin typeface="Microsoft GothicNeo" panose="020B0500000101010101" pitchFamily="50" charset="-127"/>
-                <a:ea typeface="Microsoft GothicNeo" panose="020B0500000101010101" pitchFamily="50" charset="-127"/>
-                <a:cs typeface="Microsoft GothicNeo" panose="020B0500000101010101" pitchFamily="50" charset="-127"/>
-              </a:rPr>
               <a:t>추천 도시 선정</a:t>
             </a:r>
-            <a:endParaRPr lang="ko-KR" altLang="en-US" sz="2000" dirty="0">
-              <a:solidFill>
-                <a:schemeClr val="bg1"/>
-              </a:solidFill>
-              <a:latin typeface="Microsoft GothicNeo" panose="020B0500000101010101" pitchFamily="50" charset="-127"/>
-              <a:ea typeface="Microsoft GothicNeo" panose="020B0500000101010101" pitchFamily="50" charset="-127"/>
-              <a:cs typeface="Microsoft GothicNeo" panose="020B0500000101010101" pitchFamily="50" charset="-127"/>
-            </a:endParaRPr>
           </a:p>
         </p:txBody>
       </p:sp>
@@ -9710,13 +9290,6 @@
   <p:clrMapOvr>
     <a:masterClrMapping/>
   </p:clrMapOvr>
-  <p:timing>
-    <p:tnLst>
-      <p:par>
-        <p:cTn id="1" dur="indefinite" restart="never" nodeType="tmRoot"/>
-      </p:par>
-    </p:tnLst>
-  </p:timing>
 </p:sld>
 </file>
 
@@ -9742,7 +9315,7 @@
           <p:cNvPr id="19" name="TextBox 18">
             <a:extLst>
               <a:ext uri="{FF2B5EF4-FFF2-40B4-BE49-F238E27FC236}">
-                <a16:creationId xmlns:a16="http://schemas.microsoft.com/office/drawing/2014/main" xmlns="" id="{FADD5F63-4AF7-48AE-838F-1AA8156BB3C4}"/>
+                <a16:creationId xmlns:a16="http://schemas.microsoft.com/office/drawing/2014/main" id="{FADD5F63-4AF7-48AE-838F-1AA8156BB3C4}"/>
               </a:ext>
             </a:extLst>
           </p:cNvPr>
@@ -9784,7 +9357,7 @@
               <a:buChar char="l"/>
             </a:pPr>
             <a:r>
-              <a:rPr lang="ko-KR" altLang="en-US" sz="1500" b="1" spc="-60" dirty="0" smtClean="0">
+              <a:rPr lang="ko-KR" altLang="en-US" sz="1500" b="1" spc="-60" dirty="0">
                 <a:solidFill>
                   <a:schemeClr val="tx1">
                     <a:lumMod val="65000"/>
@@ -9796,7 +9369,7 @@
               <a:t>외국인이 자주 방문하는 도시 선정 </a:t>
             </a:r>
             <a:r>
-              <a:rPr lang="en-US" altLang="ko-KR" sz="1500" b="1" spc="-60" dirty="0" smtClean="0">
+              <a:rPr lang="en-US" altLang="ko-KR" sz="1500" b="1" spc="-60" dirty="0">
                 <a:solidFill>
                   <a:schemeClr val="tx1">
                     <a:lumMod val="65000"/>
@@ -9822,7 +9395,7 @@
               <a:buSzPct val="60000"/>
             </a:pPr>
             <a:r>
-              <a:rPr lang="en-US" altLang="ko-KR" sz="1500" b="1" spc="-60" dirty="0" smtClean="0">
+              <a:rPr lang="en-US" altLang="ko-KR" sz="1500" b="1" spc="-60" dirty="0">
                 <a:solidFill>
                   <a:schemeClr val="tx1">
                     <a:lumMod val="65000"/>
@@ -9843,29 +9416,8 @@
                 </a:solidFill>
                 <a:latin typeface="+mn-ea"/>
               </a:rPr>
-              <a:t>의</a:t>
-            </a:r>
-            <a:r>
-              <a:rPr lang="ko-KR" altLang="en-US" sz="1500" b="1" spc="-60" dirty="0" smtClean="0">
-                <a:solidFill>
-                  <a:schemeClr val="tx1">
-                    <a:lumMod val="65000"/>
-                    <a:lumOff val="35000"/>
-                  </a:schemeClr>
-                </a:solidFill>
-                <a:latin typeface="+mn-ea"/>
-              </a:rPr>
-              <a:t> 나라 별 포럼에서 해당 국가의 도시들이 언급되는 수를 리스트 업</a:t>
-            </a:r>
-            <a:endParaRPr lang="ko-KR" altLang="en-US" sz="1500" b="1" spc="-60" dirty="0">
-              <a:solidFill>
-                <a:schemeClr val="tx1">
-                  <a:lumMod val="65000"/>
-                  <a:lumOff val="35000"/>
-                </a:schemeClr>
-              </a:solidFill>
-              <a:latin typeface="+mn-ea"/>
-            </a:endParaRPr>
+              <a:t>의 나라 별 포럼에서 해당 국가의 도시들이 언급되는 수를 리스트 업</a:t>
+            </a:r>
           </a:p>
         </p:txBody>
       </p:sp>
@@ -9919,7 +9471,7 @@
           <p:cNvPr id="5" name="제목 5">
             <a:extLst>
               <a:ext uri="{FF2B5EF4-FFF2-40B4-BE49-F238E27FC236}">
-                <a16:creationId xmlns:a16="http://schemas.microsoft.com/office/drawing/2014/main" xmlns="" id="{F857FEE6-CE74-4372-A25E-EBDAEF626DA7}"/>
+                <a16:creationId xmlns:a16="http://schemas.microsoft.com/office/drawing/2014/main" id="{F857FEE6-CE74-4372-A25E-EBDAEF626DA7}"/>
               </a:ext>
             </a:extLst>
           </p:cNvPr>
@@ -10030,10 +9582,10 @@
                 <a:ea typeface="Microsoft GothicNeo" panose="020B0500000101010101" pitchFamily="50" charset="-127"/>
                 <a:cs typeface="Microsoft GothicNeo" panose="020B0500000101010101" pitchFamily="50" charset="-127"/>
               </a:rPr>
-              <a:t>2</a:t>
-            </a:r>
-            <a:r>
-              <a:rPr lang="en-US" altLang="ko-KR" sz="2000" dirty="0" smtClean="0">
+              <a:t>2 I </a:t>
+            </a:r>
+            <a:r>
+              <a:rPr lang="ko-KR" altLang="en-US" sz="2000" dirty="0">
                 <a:solidFill>
                   <a:schemeClr val="bg1"/>
                 </a:solidFill>
@@ -10041,7 +9593,7 @@
                 <a:ea typeface="Microsoft GothicNeo" panose="020B0500000101010101" pitchFamily="50" charset="-127"/>
                 <a:cs typeface="Microsoft GothicNeo" panose="020B0500000101010101" pitchFamily="50" charset="-127"/>
               </a:rPr>
-              <a:t> </a:t>
+              <a:t>여행지 추천 방법</a:t>
             </a:r>
             <a:r>
               <a:rPr lang="en-US" altLang="ko-KR" sz="2000" dirty="0">
@@ -10052,10 +9604,10 @@
                 <a:ea typeface="Microsoft GothicNeo" panose="020B0500000101010101" pitchFamily="50" charset="-127"/>
                 <a:cs typeface="Microsoft GothicNeo" panose="020B0500000101010101" pitchFamily="50" charset="-127"/>
               </a:rPr>
-              <a:t>I </a:t>
-            </a:r>
-            <a:r>
-              <a:rPr lang="ko-KR" altLang="en-US" sz="2000" dirty="0" smtClean="0">
+              <a:t> – </a:t>
+            </a:r>
+            <a:r>
+              <a:rPr lang="ko-KR" altLang="en-US" sz="2000" dirty="0">
                 <a:solidFill>
                   <a:schemeClr val="bg1"/>
                 </a:solidFill>
@@ -10063,49 +9615,8 @@
                 <a:ea typeface="Microsoft GothicNeo" panose="020B0500000101010101" pitchFamily="50" charset="-127"/>
                 <a:cs typeface="Microsoft GothicNeo" panose="020B0500000101010101" pitchFamily="50" charset="-127"/>
               </a:rPr>
-              <a:t>여행지 추천 방법</a:t>
-            </a:r>
-            <a:r>
-              <a:rPr lang="en-US" altLang="ko-KR" sz="2000" dirty="0">
-                <a:solidFill>
-                  <a:schemeClr val="bg1"/>
-                </a:solidFill>
-                <a:latin typeface="Microsoft GothicNeo" panose="020B0500000101010101" pitchFamily="50" charset="-127"/>
-                <a:ea typeface="Microsoft GothicNeo" panose="020B0500000101010101" pitchFamily="50" charset="-127"/>
-                <a:cs typeface="Microsoft GothicNeo" panose="020B0500000101010101" pitchFamily="50" charset="-127"/>
-              </a:rPr>
-              <a:t> </a:t>
-            </a:r>
-            <a:r>
-              <a:rPr lang="en-US" altLang="ko-KR" sz="2000" dirty="0" smtClean="0">
-                <a:solidFill>
-                  <a:schemeClr val="bg1"/>
-                </a:solidFill>
-                <a:latin typeface="Microsoft GothicNeo" panose="020B0500000101010101" pitchFamily="50" charset="-127"/>
-                <a:ea typeface="Microsoft GothicNeo" panose="020B0500000101010101" pitchFamily="50" charset="-127"/>
-                <a:cs typeface="Microsoft GothicNeo" panose="020B0500000101010101" pitchFamily="50" charset="-127"/>
-              </a:rPr>
-              <a:t>– </a:t>
-            </a:r>
-            <a:r>
-              <a:rPr lang="ko-KR" altLang="en-US" sz="2000" dirty="0" smtClean="0">
-                <a:solidFill>
-                  <a:schemeClr val="bg1"/>
-                </a:solidFill>
-                <a:latin typeface="Microsoft GothicNeo" panose="020B0500000101010101" pitchFamily="50" charset="-127"/>
-                <a:ea typeface="Microsoft GothicNeo" panose="020B0500000101010101" pitchFamily="50" charset="-127"/>
-                <a:cs typeface="Microsoft GothicNeo" panose="020B0500000101010101" pitchFamily="50" charset="-127"/>
-              </a:rPr>
               <a:t>추천 도시 선정</a:t>
             </a:r>
-            <a:endParaRPr lang="ko-KR" altLang="en-US" sz="2000" dirty="0">
-              <a:solidFill>
-                <a:schemeClr val="bg1"/>
-              </a:solidFill>
-              <a:latin typeface="Microsoft GothicNeo" panose="020B0500000101010101" pitchFamily="50" charset="-127"/>
-              <a:ea typeface="Microsoft GothicNeo" panose="020B0500000101010101" pitchFamily="50" charset="-127"/>
-              <a:cs typeface="Microsoft GothicNeo" panose="020B0500000101010101" pitchFamily="50" charset="-127"/>
-            </a:endParaRPr>
           </a:p>
         </p:txBody>
       </p:sp>
@@ -10119,13 +9630,6 @@
   <p:clrMapOvr>
     <a:masterClrMapping/>
   </p:clrMapOvr>
-  <p:timing>
-    <p:tnLst>
-      <p:par>
-        <p:cTn id="1" dur="indefinite" restart="never" nodeType="tmRoot"/>
-      </p:par>
-    </p:tnLst>
-  </p:timing>
 </p:sld>
 </file>
 
@@ -10151,7 +9655,7 @@
           <p:cNvPr id="19" name="TextBox 18">
             <a:extLst>
               <a:ext uri="{FF2B5EF4-FFF2-40B4-BE49-F238E27FC236}">
-                <a16:creationId xmlns:a16="http://schemas.microsoft.com/office/drawing/2014/main" xmlns="" id="{FADD5F63-4AF7-48AE-838F-1AA8156BB3C4}"/>
+                <a16:creationId xmlns:a16="http://schemas.microsoft.com/office/drawing/2014/main" id="{FADD5F63-4AF7-48AE-838F-1AA8156BB3C4}"/>
               </a:ext>
             </a:extLst>
           </p:cNvPr>
@@ -10193,7 +9697,7 @@
               <a:buChar char="l"/>
             </a:pPr>
             <a:r>
-              <a:rPr lang="ko-KR" altLang="en-US" sz="1500" b="1" spc="-60" dirty="0" smtClean="0">
+              <a:rPr lang="ko-KR" altLang="en-US" sz="1500" b="1" spc="-60" dirty="0">
                 <a:solidFill>
                   <a:schemeClr val="tx1">
                     <a:lumMod val="65000"/>
@@ -10205,7 +9709,7 @@
               <a:t>한국인만 모르는 도시 선정 </a:t>
             </a:r>
             <a:r>
-              <a:rPr lang="en-US" altLang="ko-KR" sz="1500" b="1" spc="-60" dirty="0" smtClean="0">
+              <a:rPr lang="en-US" altLang="ko-KR" sz="1500" b="1" spc="-60" dirty="0">
                 <a:solidFill>
                   <a:schemeClr val="tx1">
                     <a:lumMod val="65000"/>
@@ -10231,7 +9735,7 @@
               <a:buSzPct val="60000"/>
             </a:pPr>
             <a:r>
-              <a:rPr lang="en-US" altLang="ko-KR" sz="1500" b="1" spc="-60" dirty="0" smtClean="0">
+              <a:rPr lang="en-US" altLang="ko-KR" sz="1500" b="1" spc="-60" dirty="0">
                 <a:solidFill>
                   <a:schemeClr val="tx1">
                     <a:lumMod val="65000"/>
@@ -10243,7 +9747,7 @@
               <a:t>    - List1</a:t>
             </a:r>
             <a:r>
-              <a:rPr lang="ko-KR" altLang="en-US" sz="1500" b="1" spc="-60" dirty="0" smtClean="0">
+              <a:rPr lang="ko-KR" altLang="en-US" sz="1500" b="1" spc="-60" dirty="0">
                 <a:solidFill>
                   <a:schemeClr val="tx1">
                     <a:lumMod val="65000"/>
@@ -10255,7 +9759,7 @@
               <a:t>과 </a:t>
             </a:r>
             <a:r>
-              <a:rPr lang="en-US" altLang="ko-KR" sz="1500" b="1" spc="-60" dirty="0" smtClean="0">
+              <a:rPr lang="en-US" altLang="ko-KR" sz="1500" b="1" spc="-60" dirty="0">
                 <a:solidFill>
                   <a:schemeClr val="tx1">
                     <a:lumMod val="65000"/>
@@ -10267,7 +9771,7 @@
               <a:t>2</a:t>
             </a:r>
             <a:r>
-              <a:rPr lang="ko-KR" altLang="en-US" sz="1500" b="1" spc="-60" dirty="0" smtClean="0">
+              <a:rPr lang="ko-KR" altLang="en-US" sz="1500" b="1" spc="-60" dirty="0">
                 <a:solidFill>
                   <a:schemeClr val="tx1">
                     <a:lumMod val="65000"/>
@@ -10279,7 +9783,7 @@
               <a:t>의 비교를 통해 추천 대상 목록인 </a:t>
             </a:r>
             <a:r>
-              <a:rPr lang="en-US" altLang="ko-KR" sz="1500" b="1" spc="-60" dirty="0" smtClean="0">
+              <a:rPr lang="en-US" altLang="ko-KR" sz="1500" b="1" spc="-60" dirty="0">
                 <a:solidFill>
                   <a:schemeClr val="tx1">
                     <a:lumMod val="65000"/>
@@ -10291,7 +9795,7 @@
               <a:t>List 3</a:t>
             </a:r>
             <a:r>
-              <a:rPr lang="ko-KR" altLang="en-US" sz="1500" b="1" spc="-60" dirty="0" smtClean="0">
+              <a:rPr lang="ko-KR" altLang="en-US" sz="1500" b="1" spc="-60" dirty="0">
                 <a:solidFill>
                   <a:schemeClr val="tx1">
                     <a:lumMod val="65000"/>
@@ -10326,7 +9830,7 @@
               <a:buSzPct val="60000"/>
             </a:pPr>
             <a:r>
-              <a:rPr lang="en-US" altLang="ko-KR" sz="1500" b="1" spc="-60" dirty="0" smtClean="0">
+              <a:rPr lang="en-US" altLang="ko-KR" sz="1500" b="1" spc="-60" dirty="0">
                 <a:solidFill>
                   <a:schemeClr val="tx1">
                     <a:lumMod val="65000"/>
@@ -10338,7 +9842,7 @@
               <a:t>      Ex) List1</a:t>
             </a:r>
             <a:r>
-              <a:rPr lang="ko-KR" altLang="en-US" sz="1500" b="1" spc="-60" dirty="0" smtClean="0">
+              <a:rPr lang="ko-KR" altLang="en-US" sz="1500" b="1" spc="-60" dirty="0">
                 <a:solidFill>
                   <a:schemeClr val="tx1">
                     <a:lumMod val="65000"/>
@@ -10350,7 +9854,7 @@
               <a:t>에서 언급 비중이 </a:t>
             </a:r>
             <a:r>
-              <a:rPr lang="en-US" altLang="ko-KR" sz="1500" b="1" spc="-60" dirty="0" smtClean="0">
+              <a:rPr lang="en-US" altLang="ko-KR" sz="1500" b="1" spc="-60" dirty="0">
                 <a:solidFill>
                   <a:schemeClr val="tx1">
                     <a:lumMod val="65000"/>
@@ -10362,7 +9866,7 @@
               <a:t>5% </a:t>
             </a:r>
             <a:r>
-              <a:rPr lang="ko-KR" altLang="en-US" sz="1500" b="1" spc="-60" dirty="0" smtClean="0">
+              <a:rPr lang="ko-KR" altLang="en-US" sz="1500" b="1" spc="-60" dirty="0">
                 <a:solidFill>
                   <a:schemeClr val="tx1">
                     <a:lumMod val="65000"/>
@@ -10374,7 +9878,7 @@
               <a:t>이상인 도시의 이름을 </a:t>
             </a:r>
             <a:r>
-              <a:rPr lang="en-US" altLang="ko-KR" sz="1500" b="1" spc="-60" dirty="0" smtClean="0">
+              <a:rPr lang="en-US" altLang="ko-KR" sz="1500" b="1" spc="-60" dirty="0">
                 <a:solidFill>
                   <a:schemeClr val="tx1">
                     <a:lumMod val="65000"/>
@@ -10386,7 +9890,7 @@
               <a:t>List 2</a:t>
             </a:r>
             <a:r>
-              <a:rPr lang="ko-KR" altLang="en-US" sz="1500" b="1" spc="-60" dirty="0" smtClean="0">
+              <a:rPr lang="ko-KR" altLang="en-US" sz="1500" b="1" spc="-60" dirty="0">
                 <a:solidFill>
                   <a:schemeClr val="tx1">
                     <a:lumMod val="65000"/>
@@ -10397,7 +9901,7 @@
               </a:rPr>
               <a:t>에서 삭제</a:t>
             </a:r>
-            <a:endParaRPr lang="en-US" altLang="ko-KR" sz="1500" b="1" spc="-60" dirty="0" smtClean="0">
+            <a:endParaRPr lang="en-US" altLang="ko-KR" sz="1500" b="1" spc="-60" dirty="0">
               <a:solidFill>
                 <a:schemeClr val="tx1">
                   <a:lumMod val="65000"/>
@@ -10420,7 +9924,7 @@
               </a:buClr>
               <a:buSzPct val="60000"/>
             </a:pPr>
-            <a:endParaRPr lang="en-US" altLang="ko-KR" sz="1500" b="1" spc="-60" dirty="0" smtClean="0">
+            <a:endParaRPr lang="en-US" altLang="ko-KR" sz="1500" b="1" spc="-60" dirty="0">
               <a:solidFill>
                 <a:schemeClr val="tx1">
                   <a:lumMod val="65000"/>
@@ -10443,7 +9947,7 @@
               </a:buClr>
               <a:buSzPct val="60000"/>
             </a:pPr>
-            <a:endParaRPr lang="en-US" altLang="ko-KR" sz="1500" b="1" spc="-60" dirty="0" smtClean="0">
+            <a:endParaRPr lang="en-US" altLang="ko-KR" sz="1500" b="1" spc="-60" dirty="0">
               <a:solidFill>
                 <a:schemeClr val="tx1">
                   <a:lumMod val="65000"/>
@@ -10460,7 +9964,7 @@
           <p:cNvPr id="5" name="TextBox 4">
             <a:extLst>
               <a:ext uri="{FF2B5EF4-FFF2-40B4-BE49-F238E27FC236}">
-                <a16:creationId xmlns:a16="http://schemas.microsoft.com/office/drawing/2014/main" xmlns="" id="{FADD5F63-4AF7-48AE-838F-1AA8156BB3C4}"/>
+                <a16:creationId xmlns:a16="http://schemas.microsoft.com/office/drawing/2014/main" id="{FADD5F63-4AF7-48AE-838F-1AA8156BB3C4}"/>
               </a:ext>
             </a:extLst>
           </p:cNvPr>
@@ -10502,7 +10006,7 @@
               <a:buChar char="l"/>
             </a:pPr>
             <a:r>
-              <a:rPr lang="ko-KR" altLang="en-US" sz="1500" b="1" spc="-60" dirty="0" smtClean="0">
+              <a:rPr lang="ko-KR" altLang="en-US" sz="1500" b="1" spc="-60" dirty="0">
                 <a:solidFill>
                   <a:schemeClr val="tx1">
                     <a:lumMod val="65000"/>
@@ -10514,7 +10018,7 @@
               <a:t>최종 추천 도시 선정 </a:t>
             </a:r>
             <a:r>
-              <a:rPr lang="en-US" altLang="ko-KR" sz="1500" b="1" spc="-60" dirty="0" smtClean="0">
+              <a:rPr lang="en-US" altLang="ko-KR" sz="1500" b="1" spc="-60" dirty="0">
                 <a:solidFill>
                   <a:schemeClr val="tx1">
                     <a:lumMod val="65000"/>
@@ -10540,7 +10044,7 @@
               <a:buSzPct val="60000"/>
             </a:pPr>
             <a:r>
-              <a:rPr lang="en-US" altLang="ko-KR" sz="1500" b="1" spc="-60" dirty="0" smtClean="0">
+              <a:rPr lang="en-US" altLang="ko-KR" sz="1500" b="1" spc="-60" dirty="0">
                 <a:solidFill>
                   <a:schemeClr val="tx1">
                     <a:lumMod val="65000"/>
@@ -10552,7 +10056,7 @@
               <a:t>    - </a:t>
             </a:r>
             <a:r>
-              <a:rPr lang="ko-KR" altLang="en-US" sz="1500" b="1" spc="-60" dirty="0" smtClean="0">
+              <a:rPr lang="ko-KR" altLang="en-US" sz="1500" b="1" spc="-60" dirty="0">
                 <a:solidFill>
                   <a:schemeClr val="tx1">
                     <a:lumMod val="65000"/>
@@ -10563,7 +10067,7 @@
               </a:rPr>
               <a:t>한국인이 자주 방문하는 도시와 한국인만 모르는 도시 간의 유사도 분석을 통해</a:t>
             </a:r>
-            <a:endParaRPr lang="en-US" altLang="ko-KR" sz="1500" b="1" spc="-60" dirty="0" smtClean="0">
+            <a:endParaRPr lang="en-US" altLang="ko-KR" sz="1500" b="1" spc="-60" dirty="0">
               <a:solidFill>
                 <a:schemeClr val="tx1">
                   <a:lumMod val="65000"/>
@@ -10596,10 +10100,10 @@
                 </a:solidFill>
                 <a:latin typeface="+mn-ea"/>
               </a:rPr>
-              <a:t> </a:t>
-            </a:r>
-            <a:r>
-              <a:rPr lang="en-US" altLang="ko-KR" sz="1500" b="1" spc="-60" dirty="0" smtClean="0">
+              <a:t>     </a:t>
+            </a:r>
+            <a:r>
+              <a:rPr lang="ko-KR" altLang="en-US" sz="1500" b="1" spc="-60" dirty="0">
                 <a:solidFill>
                   <a:schemeClr val="tx1">
                     <a:lumMod val="65000"/>
@@ -10608,10 +10112,10 @@
                 </a:solidFill>
                 <a:latin typeface="+mn-ea"/>
               </a:rPr>
-              <a:t>    </a:t>
-            </a:r>
-            <a:r>
-              <a:rPr lang="ko-KR" altLang="en-US" sz="1500" b="1" spc="-60" dirty="0" smtClean="0">
+              <a:t> 최종 추천 도시 목록인 </a:t>
+            </a:r>
+            <a:r>
+              <a:rPr lang="en-US" altLang="ko-KR" sz="1500" b="1" spc="-60" dirty="0">
                 <a:solidFill>
                   <a:schemeClr val="tx1">
                     <a:lumMod val="65000"/>
@@ -10620,10 +10124,10 @@
                 </a:solidFill>
                 <a:latin typeface="+mn-ea"/>
               </a:rPr>
-              <a:t> 최종 추천 도시 목록인 </a:t>
-            </a:r>
-            <a:r>
-              <a:rPr lang="en-US" altLang="ko-KR" sz="1500" b="1" spc="-60" dirty="0" smtClean="0">
+              <a:t>List 4</a:t>
+            </a:r>
+            <a:r>
+              <a:rPr lang="ko-KR" altLang="en-US" sz="1500" b="1" spc="-60" dirty="0">
                 <a:solidFill>
                   <a:schemeClr val="tx1">
                     <a:lumMod val="65000"/>
@@ -10632,21 +10136,9 @@
                 </a:solidFill>
                 <a:latin typeface="+mn-ea"/>
               </a:rPr>
-              <a:t>List 4</a:t>
-            </a:r>
-            <a:r>
-              <a:rPr lang="ko-KR" altLang="en-US" sz="1500" b="1" spc="-60" dirty="0" smtClean="0">
-                <a:solidFill>
-                  <a:schemeClr val="tx1">
-                    <a:lumMod val="65000"/>
-                    <a:lumOff val="35000"/>
-                  </a:schemeClr>
-                </a:solidFill>
-                <a:latin typeface="+mn-ea"/>
-              </a:rPr>
               <a:t>을 작성</a:t>
             </a:r>
-            <a:endParaRPr lang="en-US" altLang="ko-KR" sz="1500" b="1" spc="-60" dirty="0" smtClean="0">
+            <a:endParaRPr lang="en-US" altLang="ko-KR" sz="1500" b="1" spc="-60" dirty="0">
               <a:solidFill>
                 <a:schemeClr val="tx1">
                   <a:lumMod val="65000"/>
@@ -10700,7 +10192,7 @@
           <p:cNvPr id="7" name="TextBox 6">
             <a:extLst>
               <a:ext uri="{FF2B5EF4-FFF2-40B4-BE49-F238E27FC236}">
-                <a16:creationId xmlns:a16="http://schemas.microsoft.com/office/drawing/2014/main" xmlns="" id="{FADD5F63-4AF7-48AE-838F-1AA8156BB3C4}"/>
+                <a16:creationId xmlns:a16="http://schemas.microsoft.com/office/drawing/2014/main" id="{FADD5F63-4AF7-48AE-838F-1AA8156BB3C4}"/>
               </a:ext>
             </a:extLst>
           </p:cNvPr>
@@ -10740,7 +10232,7 @@
               <a:buSzPct val="60000"/>
             </a:pPr>
             <a:r>
-              <a:rPr lang="ko-KR" altLang="en-US" sz="1500" b="1" spc="-60" dirty="0" smtClean="0">
+              <a:rPr lang="ko-KR" altLang="en-US" sz="1500" b="1" spc="-60" dirty="0">
                 <a:solidFill>
                   <a:schemeClr val="tx1">
                     <a:lumMod val="65000"/>
@@ -10751,7 +10243,7 @@
               </a:rPr>
               <a:t>유사도 분석</a:t>
             </a:r>
-            <a:endParaRPr lang="en-US" altLang="ko-KR" sz="1500" b="1" spc="-60" dirty="0" smtClean="0">
+            <a:endParaRPr lang="en-US" altLang="ko-KR" sz="1500" b="1" spc="-60" dirty="0">
               <a:solidFill>
                 <a:schemeClr val="tx1">
                   <a:lumMod val="65000"/>
@@ -10768,7 +10260,7 @@
           <p:cNvPr id="10" name="제목 5">
             <a:extLst>
               <a:ext uri="{FF2B5EF4-FFF2-40B4-BE49-F238E27FC236}">
-                <a16:creationId xmlns:a16="http://schemas.microsoft.com/office/drawing/2014/main" xmlns="" id="{F857FEE6-CE74-4372-A25E-EBDAEF626DA7}"/>
+                <a16:creationId xmlns:a16="http://schemas.microsoft.com/office/drawing/2014/main" id="{F857FEE6-CE74-4372-A25E-EBDAEF626DA7}"/>
               </a:ext>
             </a:extLst>
           </p:cNvPr>
@@ -10879,10 +10371,10 @@
                 <a:ea typeface="Microsoft GothicNeo" panose="020B0500000101010101" pitchFamily="50" charset="-127"/>
                 <a:cs typeface="Microsoft GothicNeo" panose="020B0500000101010101" pitchFamily="50" charset="-127"/>
               </a:rPr>
-              <a:t>2</a:t>
-            </a:r>
-            <a:r>
-              <a:rPr lang="en-US" altLang="ko-KR" sz="2000" dirty="0" smtClean="0">
+              <a:t>2 I </a:t>
+            </a:r>
+            <a:r>
+              <a:rPr lang="ko-KR" altLang="en-US" sz="2000" dirty="0">
                 <a:solidFill>
                   <a:schemeClr val="bg1"/>
                 </a:solidFill>
@@ -10890,7 +10382,7 @@
                 <a:ea typeface="Microsoft GothicNeo" panose="020B0500000101010101" pitchFamily="50" charset="-127"/>
                 <a:cs typeface="Microsoft GothicNeo" panose="020B0500000101010101" pitchFamily="50" charset="-127"/>
               </a:rPr>
-              <a:t> </a:t>
+              <a:t>여행지 추천 방법</a:t>
             </a:r>
             <a:r>
               <a:rPr lang="en-US" altLang="ko-KR" sz="2000" dirty="0">
@@ -10901,10 +10393,10 @@
                 <a:ea typeface="Microsoft GothicNeo" panose="020B0500000101010101" pitchFamily="50" charset="-127"/>
                 <a:cs typeface="Microsoft GothicNeo" panose="020B0500000101010101" pitchFamily="50" charset="-127"/>
               </a:rPr>
-              <a:t>I </a:t>
-            </a:r>
-            <a:r>
-              <a:rPr lang="ko-KR" altLang="en-US" sz="2000" dirty="0" smtClean="0">
+              <a:t> – </a:t>
+            </a:r>
+            <a:r>
+              <a:rPr lang="ko-KR" altLang="en-US" sz="2000" dirty="0">
                 <a:solidFill>
                   <a:schemeClr val="bg1"/>
                 </a:solidFill>
@@ -10912,49 +10404,8 @@
                 <a:ea typeface="Microsoft GothicNeo" panose="020B0500000101010101" pitchFamily="50" charset="-127"/>
                 <a:cs typeface="Microsoft GothicNeo" panose="020B0500000101010101" pitchFamily="50" charset="-127"/>
               </a:rPr>
-              <a:t>여행지 추천 방법</a:t>
-            </a:r>
-            <a:r>
-              <a:rPr lang="en-US" altLang="ko-KR" sz="2000" dirty="0">
-                <a:solidFill>
-                  <a:schemeClr val="bg1"/>
-                </a:solidFill>
-                <a:latin typeface="Microsoft GothicNeo" panose="020B0500000101010101" pitchFamily="50" charset="-127"/>
-                <a:ea typeface="Microsoft GothicNeo" panose="020B0500000101010101" pitchFamily="50" charset="-127"/>
-                <a:cs typeface="Microsoft GothicNeo" panose="020B0500000101010101" pitchFamily="50" charset="-127"/>
-              </a:rPr>
-              <a:t> </a:t>
-            </a:r>
-            <a:r>
-              <a:rPr lang="en-US" altLang="ko-KR" sz="2000" dirty="0" smtClean="0">
-                <a:solidFill>
-                  <a:schemeClr val="bg1"/>
-                </a:solidFill>
-                <a:latin typeface="Microsoft GothicNeo" panose="020B0500000101010101" pitchFamily="50" charset="-127"/>
-                <a:ea typeface="Microsoft GothicNeo" panose="020B0500000101010101" pitchFamily="50" charset="-127"/>
-                <a:cs typeface="Microsoft GothicNeo" panose="020B0500000101010101" pitchFamily="50" charset="-127"/>
-              </a:rPr>
-              <a:t>– </a:t>
-            </a:r>
-            <a:r>
-              <a:rPr lang="ko-KR" altLang="en-US" sz="2000" dirty="0" smtClean="0">
-                <a:solidFill>
-                  <a:schemeClr val="bg1"/>
-                </a:solidFill>
-                <a:latin typeface="Microsoft GothicNeo" panose="020B0500000101010101" pitchFamily="50" charset="-127"/>
-                <a:ea typeface="Microsoft GothicNeo" panose="020B0500000101010101" pitchFamily="50" charset="-127"/>
-                <a:cs typeface="Microsoft GothicNeo" panose="020B0500000101010101" pitchFamily="50" charset="-127"/>
-              </a:rPr>
               <a:t>추천 도시 선정</a:t>
             </a:r>
-            <a:endParaRPr lang="ko-KR" altLang="en-US" sz="2000" dirty="0">
-              <a:solidFill>
-                <a:schemeClr val="bg1"/>
-              </a:solidFill>
-              <a:latin typeface="Microsoft GothicNeo" panose="020B0500000101010101" pitchFamily="50" charset="-127"/>
-              <a:ea typeface="Microsoft GothicNeo" panose="020B0500000101010101" pitchFamily="50" charset="-127"/>
-              <a:cs typeface="Microsoft GothicNeo" panose="020B0500000101010101" pitchFamily="50" charset="-127"/>
-            </a:endParaRPr>
           </a:p>
         </p:txBody>
       </p:sp>
@@ -10968,13 +10419,6 @@
   <p:clrMapOvr>
     <a:masterClrMapping/>
   </p:clrMapOvr>
-  <p:timing>
-    <p:tnLst>
-      <p:par>
-        <p:cTn id="1" dur="indefinite" restart="never" nodeType="tmRoot"/>
-      </p:par>
-    </p:tnLst>
-  </p:timing>
 </p:sld>
 </file>
 
@@ -11104,7 +10548,7 @@
             <p:cNvPr id="14" name="TextBox 13">
               <a:extLst>
                 <a:ext uri="{FF2B5EF4-FFF2-40B4-BE49-F238E27FC236}">
-                  <a16:creationId xmlns:a16="http://schemas.microsoft.com/office/drawing/2014/main" xmlns="" id="{FADD5F63-4AF7-48AE-838F-1AA8156BB3C4}"/>
+                  <a16:creationId xmlns:a16="http://schemas.microsoft.com/office/drawing/2014/main" id="{FADD5F63-4AF7-48AE-838F-1AA8156BB3C4}"/>
                 </a:ext>
               </a:extLst>
             </p:cNvPr>
@@ -11144,7 +10588,7 @@
                 <a:buSzPct val="60000"/>
               </a:pPr>
               <a:r>
-                <a:rPr lang="ko-KR" altLang="en-US" sz="1500" b="1" spc="-60" dirty="0" err="1" smtClean="0">
+                <a:rPr lang="ko-KR" altLang="en-US" sz="1500" b="1" spc="-60" dirty="0" err="1">
                   <a:solidFill>
                     <a:schemeClr val="tx1">
                       <a:lumMod val="65000"/>
@@ -11155,7 +10599,7 @@
                 </a:rPr>
                 <a:t>포지타노</a:t>
               </a:r>
-              <a:endParaRPr lang="en-US" altLang="ko-KR" sz="1500" b="1" spc="-60" dirty="0" smtClean="0">
+              <a:endParaRPr lang="en-US" altLang="ko-KR" sz="1500" b="1" spc="-60" dirty="0">
                 <a:solidFill>
                   <a:schemeClr val="tx1">
                     <a:lumMod val="65000"/>
@@ -11172,7 +10616,7 @@
             <p:cNvPr id="15" name="TextBox 14">
               <a:extLst>
                 <a:ext uri="{FF2B5EF4-FFF2-40B4-BE49-F238E27FC236}">
-                  <a16:creationId xmlns:a16="http://schemas.microsoft.com/office/drawing/2014/main" xmlns="" id="{FADD5F63-4AF7-48AE-838F-1AA8156BB3C4}"/>
+                  <a16:creationId xmlns:a16="http://schemas.microsoft.com/office/drawing/2014/main" id="{FADD5F63-4AF7-48AE-838F-1AA8156BB3C4}"/>
                 </a:ext>
               </a:extLst>
             </p:cNvPr>
@@ -11212,7 +10656,7 @@
                 <a:buSzPct val="60000"/>
               </a:pPr>
               <a:r>
-                <a:rPr lang="ko-KR" altLang="en-US" sz="1500" b="1" spc="-60" dirty="0" err="1" smtClean="0">
+                <a:rPr lang="ko-KR" altLang="en-US" sz="1500" b="1" spc="-60" dirty="0" err="1">
                   <a:solidFill>
                     <a:schemeClr val="tx1">
                       <a:lumMod val="65000"/>
@@ -11223,7 +10667,7 @@
                 </a:rPr>
                 <a:t>친퀘테레</a:t>
               </a:r>
-              <a:endParaRPr lang="en-US" altLang="ko-KR" sz="1500" b="1" spc="-60" dirty="0" smtClean="0">
+              <a:endParaRPr lang="en-US" altLang="ko-KR" sz="1500" b="1" spc="-60" dirty="0">
                 <a:solidFill>
                   <a:schemeClr val="tx1">
                     <a:lumMod val="65000"/>
@@ -11241,7 +10685,7 @@
           <p:cNvPr id="16" name="TextBox 15">
             <a:extLst>
               <a:ext uri="{FF2B5EF4-FFF2-40B4-BE49-F238E27FC236}">
-                <a16:creationId xmlns:a16="http://schemas.microsoft.com/office/drawing/2014/main" xmlns="" id="{FADD5F63-4AF7-48AE-838F-1AA8156BB3C4}"/>
+                <a16:creationId xmlns:a16="http://schemas.microsoft.com/office/drawing/2014/main" id="{FADD5F63-4AF7-48AE-838F-1AA8156BB3C4}"/>
               </a:ext>
             </a:extLst>
           </p:cNvPr>
@@ -11340,80 +10784,7 @@
                 </a:solidFill>
                 <a:latin typeface="+mn-ea"/>
               </a:rPr>
-              <a:t> 이탈리아 중부 </a:t>
-            </a:r>
-            <a:r>
-              <a:rPr lang="ko-KR" altLang="en-US" sz="1500" b="1" spc="-60" dirty="0" smtClean="0">
-                <a:solidFill>
-                  <a:schemeClr val="tx1">
-                    <a:lumMod val="65000"/>
-                    <a:lumOff val="35000"/>
-                  </a:schemeClr>
-                </a:solidFill>
-                <a:latin typeface="+mn-ea"/>
-              </a:rPr>
-              <a:t>지방</a:t>
-            </a:r>
-            <a:endParaRPr lang="en-US" altLang="ko-KR" sz="1500" b="1" spc="-60" dirty="0" smtClean="0">
-              <a:solidFill>
-                <a:schemeClr val="tx1">
-                  <a:lumMod val="65000"/>
-                  <a:lumOff val="35000"/>
-                </a:schemeClr>
-              </a:solidFill>
-              <a:latin typeface="+mn-ea"/>
-            </a:endParaRPr>
-          </a:p>
-          <a:p>
-            <a:pPr marL="180975" indent="-180975" defTabSz="975022" latinLnBrk="0">
-              <a:spcBef>
-                <a:spcPts val="500"/>
-              </a:spcBef>
-              <a:buClr>
-                <a:schemeClr val="tx1">
-                  <a:lumMod val="65000"/>
-                  <a:lumOff val="35000"/>
-                </a:schemeClr>
-              </a:buClr>
-              <a:buSzPct val="60000"/>
-              <a:buFont typeface="Wingdings" pitchFamily="2" charset="2"/>
-              <a:buChar char="l"/>
-            </a:pPr>
-            <a:r>
-              <a:rPr lang="ko-KR" altLang="en-US" sz="1500" b="1" spc="-60" dirty="0" smtClean="0">
-                <a:solidFill>
-                  <a:schemeClr val="tx1">
-                    <a:lumMod val="65000"/>
-                    <a:lumOff val="35000"/>
-                  </a:schemeClr>
-                </a:solidFill>
-                <a:latin typeface="+mn-ea"/>
-              </a:rPr>
-              <a:t>두 지역 모두 바다와 절벽</a:t>
-            </a:r>
-            <a:r>
-              <a:rPr lang="en-US" altLang="ko-KR" sz="1500" b="1" spc="-60" dirty="0" smtClean="0">
-                <a:solidFill>
-                  <a:schemeClr val="tx1">
-                    <a:lumMod val="65000"/>
-                    <a:lumOff val="35000"/>
-                  </a:schemeClr>
-                </a:solidFill>
-                <a:latin typeface="+mn-ea"/>
-              </a:rPr>
-              <a:t>, </a:t>
-            </a:r>
-            <a:r>
-              <a:rPr lang="ko-KR" altLang="en-US" sz="1500" b="1" spc="-60" dirty="0" smtClean="0">
-                <a:solidFill>
-                  <a:schemeClr val="tx1">
-                    <a:lumMod val="65000"/>
-                    <a:lumOff val="35000"/>
-                  </a:schemeClr>
-                </a:solidFill>
-                <a:latin typeface="+mn-ea"/>
-              </a:rPr>
-              <a:t>다채로운 집이라는 특징을 가지고 있음</a:t>
+              <a:t> 이탈리아 중부 지방</a:t>
             </a:r>
             <a:endParaRPr lang="en-US" altLang="ko-KR" sz="1500" b="1" spc="-60" dirty="0">
               <a:solidFill>
@@ -11441,7 +10812,7 @@
               <a:buChar char="l"/>
             </a:pPr>
             <a:r>
-              <a:rPr lang="ko-KR" altLang="en-US" sz="1500" b="1" spc="-60" dirty="0" smtClean="0">
+              <a:rPr lang="ko-KR" altLang="en-US" sz="1500" b="1" spc="-60" dirty="0">
                 <a:solidFill>
                   <a:schemeClr val="tx1">
                     <a:lumMod val="65000"/>
@@ -11450,9 +10821,33 @@
                 </a:solidFill>
                 <a:latin typeface="+mn-ea"/>
               </a:rPr>
-              <a:t>서로 다른 지역의 특징을 기준으로 추천 시스템 구축</a:t>
-            </a:r>
-            <a:endParaRPr lang="en-US" altLang="ko-KR" sz="1500" b="1" spc="-60" dirty="0" smtClean="0">
+              <a:t>두 지역 모두 바다와 절벽</a:t>
+            </a:r>
+            <a:r>
+              <a:rPr lang="en-US" altLang="ko-KR" sz="1500" b="1" spc="-60" dirty="0">
+                <a:solidFill>
+                  <a:schemeClr val="tx1">
+                    <a:lumMod val="65000"/>
+                    <a:lumOff val="35000"/>
+                  </a:schemeClr>
+                </a:solidFill>
+                <a:latin typeface="+mn-ea"/>
+              </a:rPr>
+              <a:t>, </a:t>
+            </a:r>
+            <a:r>
+              <a:rPr lang="ko-KR" altLang="en-US" sz="1500" b="1" spc="-60" dirty="0">
+                <a:solidFill>
+                  <a:schemeClr val="tx1">
+                    <a:lumMod val="65000"/>
+                    <a:lumOff val="35000"/>
+                  </a:schemeClr>
+                </a:solidFill>
+                <a:latin typeface="+mn-ea"/>
+              </a:rPr>
+              <a:t>다채로운 집이라는 특징을 가지고 있음</a:t>
+            </a:r>
+            <a:endParaRPr lang="en-US" altLang="ko-KR" sz="1500" b="1" spc="-60" dirty="0">
               <a:solidFill>
                 <a:schemeClr val="tx1">
                   <a:lumMod val="65000"/>
@@ -11477,7 +10872,44 @@
               <a:buFont typeface="Wingdings" pitchFamily="2" charset="2"/>
               <a:buChar char="l"/>
             </a:pPr>
-            <a:endParaRPr lang="en-US" altLang="ko-KR" sz="1500" b="1" spc="-60" dirty="0" smtClean="0">
+            <a:r>
+              <a:rPr lang="ko-KR" altLang="en-US" sz="1500" b="1" spc="-60" dirty="0">
+                <a:solidFill>
+                  <a:schemeClr val="tx1">
+                    <a:lumMod val="65000"/>
+                    <a:lumOff val="35000"/>
+                  </a:schemeClr>
+                </a:solidFill>
+                <a:latin typeface="+mn-ea"/>
+              </a:rPr>
+              <a:t>서로 다른 지역의 특징을 기준으로 추천 시스템 구축</a:t>
+            </a:r>
+            <a:endParaRPr lang="en-US" altLang="ko-KR" sz="1500" b="1" spc="-60" dirty="0">
+              <a:solidFill>
+                <a:schemeClr val="tx1">
+                  <a:lumMod val="65000"/>
+                  <a:lumOff val="35000"/>
+                </a:schemeClr>
+              </a:solidFill>
+              <a:latin typeface="+mn-ea"/>
+            </a:endParaRPr>
+          </a:p>
+          <a:p>
+            <a:pPr marL="180975" indent="-180975" defTabSz="975022" latinLnBrk="0">
+              <a:spcBef>
+                <a:spcPts val="500"/>
+              </a:spcBef>
+              <a:buClr>
+                <a:schemeClr val="tx1">
+                  <a:lumMod val="65000"/>
+                  <a:lumOff val="35000"/>
+                </a:schemeClr>
+              </a:buClr>
+              <a:buSzPct val="60000"/>
+              <a:buFont typeface="Wingdings" pitchFamily="2" charset="2"/>
+              <a:buChar char="l"/>
+            </a:pPr>
+            <a:endParaRPr lang="en-US" altLang="ko-KR" sz="1500" b="1" spc="-60" dirty="0">
               <a:solidFill>
                 <a:schemeClr val="tx1">
                   <a:lumMod val="65000"/>
@@ -11531,7 +10963,7 @@
           <p:cNvPr id="10" name="제목 5">
             <a:extLst>
               <a:ext uri="{FF2B5EF4-FFF2-40B4-BE49-F238E27FC236}">
-                <a16:creationId xmlns:a16="http://schemas.microsoft.com/office/drawing/2014/main" xmlns="" id="{F857FEE6-CE74-4372-A25E-EBDAEF626DA7}"/>
+                <a16:creationId xmlns:a16="http://schemas.microsoft.com/office/drawing/2014/main" id="{F857FEE6-CE74-4372-A25E-EBDAEF626DA7}"/>
               </a:ext>
             </a:extLst>
           </p:cNvPr>
@@ -11642,10 +11074,10 @@
                 <a:ea typeface="Microsoft GothicNeo" panose="020B0500000101010101" pitchFamily="50" charset="-127"/>
                 <a:cs typeface="Microsoft GothicNeo" panose="020B0500000101010101" pitchFamily="50" charset="-127"/>
               </a:rPr>
-              <a:t>2</a:t>
-            </a:r>
-            <a:r>
-              <a:rPr lang="en-US" altLang="ko-KR" sz="2000" dirty="0" smtClean="0">
+              <a:t>2 I </a:t>
+            </a:r>
+            <a:r>
+              <a:rPr lang="ko-KR" altLang="en-US" sz="2000" dirty="0">
                 <a:solidFill>
                   <a:schemeClr val="bg1"/>
                 </a:solidFill>
@@ -11653,7 +11085,7 @@
                 <a:ea typeface="Microsoft GothicNeo" panose="020B0500000101010101" pitchFamily="50" charset="-127"/>
                 <a:cs typeface="Microsoft GothicNeo" panose="020B0500000101010101" pitchFamily="50" charset="-127"/>
               </a:rPr>
-              <a:t> </a:t>
+              <a:t>여행지 추천 방법</a:t>
             </a:r>
             <a:r>
               <a:rPr lang="en-US" altLang="ko-KR" sz="2000" dirty="0">
@@ -11664,10 +11096,10 @@
                 <a:ea typeface="Microsoft GothicNeo" panose="020B0500000101010101" pitchFamily="50" charset="-127"/>
                 <a:cs typeface="Microsoft GothicNeo" panose="020B0500000101010101" pitchFamily="50" charset="-127"/>
               </a:rPr>
-              <a:t>I </a:t>
-            </a:r>
-            <a:r>
-              <a:rPr lang="ko-KR" altLang="en-US" sz="2000" dirty="0" smtClean="0">
+              <a:t> – </a:t>
+            </a:r>
+            <a:r>
+              <a:rPr lang="ko-KR" altLang="en-US" sz="2000" dirty="0">
                 <a:solidFill>
                   <a:schemeClr val="bg1"/>
                 </a:solidFill>
@@ -11675,7 +11107,7 @@
                 <a:ea typeface="Microsoft GothicNeo" panose="020B0500000101010101" pitchFamily="50" charset="-127"/>
                 <a:cs typeface="Microsoft GothicNeo" panose="020B0500000101010101" pitchFamily="50" charset="-127"/>
               </a:rPr>
-              <a:t>여행지 추천 방법</a:t>
+              <a:t>유사도 분석</a:t>
             </a:r>
             <a:r>
               <a:rPr lang="en-US" altLang="ko-KR" sz="2000" dirty="0">
@@ -11686,51 +11118,7 @@
                 <a:ea typeface="Microsoft GothicNeo" panose="020B0500000101010101" pitchFamily="50" charset="-127"/>
                 <a:cs typeface="Microsoft GothicNeo" panose="020B0500000101010101" pitchFamily="50" charset="-127"/>
               </a:rPr>
-              <a:t> </a:t>
-            </a:r>
-            <a:r>
-              <a:rPr lang="en-US" altLang="ko-KR" sz="2000" dirty="0" smtClean="0">
-                <a:solidFill>
-                  <a:schemeClr val="bg1"/>
-                </a:solidFill>
-                <a:latin typeface="Microsoft GothicNeo" panose="020B0500000101010101" pitchFamily="50" charset="-127"/>
-                <a:ea typeface="Microsoft GothicNeo" panose="020B0500000101010101" pitchFamily="50" charset="-127"/>
-                <a:cs typeface="Microsoft GothicNeo" panose="020B0500000101010101" pitchFamily="50" charset="-127"/>
-              </a:rPr>
-              <a:t>– </a:t>
-            </a:r>
-            <a:r>
-              <a:rPr lang="ko-KR" altLang="en-US" sz="2000" dirty="0" smtClean="0">
-                <a:solidFill>
-                  <a:schemeClr val="bg1"/>
-                </a:solidFill>
-                <a:latin typeface="Microsoft GothicNeo" panose="020B0500000101010101" pitchFamily="50" charset="-127"/>
-                <a:ea typeface="Microsoft GothicNeo" panose="020B0500000101010101" pitchFamily="50" charset="-127"/>
-                <a:cs typeface="Microsoft GothicNeo" panose="020B0500000101010101" pitchFamily="50" charset="-127"/>
-              </a:rPr>
-              <a:t>유사도 분석</a:t>
-            </a:r>
-            <a:r>
-              <a:rPr lang="en-US" altLang="ko-KR" sz="2000" dirty="0">
-                <a:solidFill>
-                  <a:schemeClr val="bg1"/>
-                </a:solidFill>
-                <a:latin typeface="Microsoft GothicNeo" panose="020B0500000101010101" pitchFamily="50" charset="-127"/>
-                <a:ea typeface="Microsoft GothicNeo" panose="020B0500000101010101" pitchFamily="50" charset="-127"/>
-                <a:cs typeface="Microsoft GothicNeo" panose="020B0500000101010101" pitchFamily="50" charset="-127"/>
-              </a:rPr>
-              <a:t> </a:t>
-            </a:r>
-            <a:r>
-              <a:rPr lang="en-US" altLang="ko-KR" sz="2000" dirty="0" smtClean="0">
-                <a:solidFill>
-                  <a:schemeClr val="bg1"/>
-                </a:solidFill>
-                <a:latin typeface="Microsoft GothicNeo" panose="020B0500000101010101" pitchFamily="50" charset="-127"/>
-                <a:ea typeface="Microsoft GothicNeo" panose="020B0500000101010101" pitchFamily="50" charset="-127"/>
-                <a:cs typeface="Microsoft GothicNeo" panose="020B0500000101010101" pitchFamily="50" charset="-127"/>
-              </a:rPr>
-              <a:t>1</a:t>
+              <a:t> 1</a:t>
             </a:r>
             <a:endParaRPr lang="ko-KR" altLang="en-US" sz="2000" dirty="0">
               <a:solidFill>
@@ -11753,13 +11141,6 @@
   <p:clrMapOvr>
     <a:masterClrMapping/>
   </p:clrMapOvr>
-  <p:timing>
-    <p:tnLst>
-      <p:par>
-        <p:cTn id="1" dur="indefinite" restart="never" nodeType="tmRoot"/>
-      </p:par>
-    </p:tnLst>
-  </p:timing>
 </p:sld>
 </file>
 
@@ -12062,7 +11443,7 @@
           <p:cNvPr id="21" name="TextBox 20">
             <a:extLst>
               <a:ext uri="{FF2B5EF4-FFF2-40B4-BE49-F238E27FC236}">
-                <a16:creationId xmlns:a16="http://schemas.microsoft.com/office/drawing/2014/main" xmlns="" id="{FADD5F63-4AF7-48AE-838F-1AA8156BB3C4}"/>
+                <a16:creationId xmlns:a16="http://schemas.microsoft.com/office/drawing/2014/main" id="{FADD5F63-4AF7-48AE-838F-1AA8156BB3C4}"/>
               </a:ext>
             </a:extLst>
           </p:cNvPr>
@@ -12104,7 +11485,7 @@
               <a:buChar char="l"/>
             </a:pPr>
             <a:r>
-              <a:rPr lang="ko-KR" altLang="en-US" sz="1500" b="1" spc="-60" dirty="0" smtClean="0">
+              <a:rPr lang="ko-KR" altLang="en-US" sz="1500" b="1" spc="-60" dirty="0">
                 <a:solidFill>
                   <a:schemeClr val="tx1">
                     <a:lumMod val="65000"/>
@@ -12115,7 +11496,7 @@
               </a:rPr>
               <a:t>전세계 유명 여행지 사진 데이터를 모아 각 여행지의 특성을 나타내는 하나 혹은 다수의 키워드를 도출</a:t>
             </a:r>
-            <a:endParaRPr lang="en-US" altLang="ko-KR" sz="1500" b="1" spc="-60" dirty="0" smtClean="0">
+            <a:endParaRPr lang="en-US" altLang="ko-KR" sz="1500" b="1" spc="-60" dirty="0">
               <a:solidFill>
                 <a:schemeClr val="tx1">
                   <a:lumMod val="65000"/>
@@ -12141,7 +11522,7 @@
               <a:buChar char="l"/>
             </a:pPr>
             <a:r>
-              <a:rPr lang="ko-KR" altLang="en-US" sz="1500" b="1" spc="-60" dirty="0" smtClean="0">
+              <a:rPr lang="ko-KR" altLang="en-US" sz="1500" b="1" spc="-60" dirty="0">
                 <a:solidFill>
                   <a:schemeClr val="tx1">
                     <a:lumMod val="65000"/>
@@ -12153,7 +11534,7 @@
               <a:t>학습 결과를 바탕으로 </a:t>
             </a:r>
             <a:r>
-              <a:rPr lang="en-US" altLang="ko-KR" sz="1500" b="1" spc="-60" dirty="0" smtClean="0">
+              <a:rPr lang="en-US" altLang="ko-KR" sz="1500" b="1" spc="-60" dirty="0">
                 <a:solidFill>
                   <a:schemeClr val="tx1">
                     <a:lumMod val="65000"/>
@@ -12165,7 +11546,7 @@
               <a:t>List 1</a:t>
             </a:r>
             <a:r>
-              <a:rPr lang="ko-KR" altLang="en-US" sz="1500" b="1" spc="-60" dirty="0" smtClean="0">
+              <a:rPr lang="ko-KR" altLang="en-US" sz="1500" b="1" spc="-60" dirty="0">
                 <a:solidFill>
                   <a:schemeClr val="tx1">
                     <a:lumMod val="65000"/>
@@ -12177,7 +11558,7 @@
               <a:t>과 </a:t>
             </a:r>
             <a:r>
-              <a:rPr lang="en-US" altLang="ko-KR" sz="1500" b="1" spc="-60" dirty="0" smtClean="0">
+              <a:rPr lang="en-US" altLang="ko-KR" sz="1500" b="1" spc="-60" dirty="0">
                 <a:solidFill>
                   <a:schemeClr val="tx1">
                     <a:lumMod val="65000"/>
@@ -12189,7 +11570,7 @@
               <a:t>3</a:t>
             </a:r>
             <a:r>
-              <a:rPr lang="ko-KR" altLang="en-US" sz="1500" b="1" spc="-60" dirty="0" smtClean="0">
+              <a:rPr lang="ko-KR" altLang="en-US" sz="1500" b="1" spc="-60" dirty="0">
                 <a:solidFill>
                   <a:schemeClr val="tx1">
                     <a:lumMod val="65000"/>
@@ -12200,7 +11581,7 @@
               </a:rPr>
               <a:t>에 해당하는 도시들의 키워드를 도출하고 키워드를 통한 추천 시스템 구축</a:t>
             </a:r>
-            <a:endParaRPr lang="en-US" altLang="ko-KR" sz="1500" b="1" spc="-60" dirty="0" smtClean="0">
+            <a:endParaRPr lang="en-US" altLang="ko-KR" sz="1500" b="1" spc="-60" dirty="0">
               <a:solidFill>
                 <a:schemeClr val="tx1">
                   <a:lumMod val="65000"/>
@@ -12225,7 +11606,7 @@
               <a:buFont typeface="Wingdings" pitchFamily="2" charset="2"/>
               <a:buChar char="l"/>
             </a:pPr>
-            <a:endParaRPr lang="en-US" altLang="ko-KR" sz="1500" b="1" spc="-60" dirty="0" smtClean="0">
+            <a:endParaRPr lang="en-US" altLang="ko-KR" sz="1500" b="1" spc="-60" dirty="0">
               <a:solidFill>
                 <a:schemeClr val="tx1">
                   <a:lumMod val="65000"/>
@@ -12242,7 +11623,7 @@
           <p:cNvPr id="22" name="TextBox 21">
             <a:extLst>
               <a:ext uri="{FF2B5EF4-FFF2-40B4-BE49-F238E27FC236}">
-                <a16:creationId xmlns:a16="http://schemas.microsoft.com/office/drawing/2014/main" xmlns="" id="{FADD5F63-4AF7-48AE-838F-1AA8156BB3C4}"/>
+                <a16:creationId xmlns:a16="http://schemas.microsoft.com/office/drawing/2014/main" id="{FADD5F63-4AF7-48AE-838F-1AA8156BB3C4}"/>
               </a:ext>
             </a:extLst>
           </p:cNvPr>
@@ -12282,7 +11663,7 @@
               <a:buSzPct val="60000"/>
             </a:pPr>
             <a:r>
-              <a:rPr lang="ko-KR" altLang="en-US" sz="1500" b="1" spc="-60" dirty="0" smtClean="0">
+              <a:rPr lang="ko-KR" altLang="en-US" sz="1500" b="1" spc="-60" dirty="0">
                 <a:solidFill>
                   <a:schemeClr val="tx1">
                     <a:lumMod val="65000"/>
@@ -12294,7 +11675,7 @@
               <a:t>관광</a:t>
             </a:r>
             <a:r>
-              <a:rPr lang="en-US" altLang="ko-KR" sz="1500" b="1" spc="-60" dirty="0" smtClean="0">
+              <a:rPr lang="en-US" altLang="ko-KR" sz="1500" b="1" spc="-60" dirty="0">
                 <a:solidFill>
                   <a:schemeClr val="tx1">
                     <a:lumMod val="65000"/>
@@ -12306,7 +11687,7 @@
               <a:t>, </a:t>
             </a:r>
             <a:r>
-              <a:rPr lang="ko-KR" altLang="en-US" sz="1500" b="1" spc="-60" dirty="0" smtClean="0">
+              <a:rPr lang="ko-KR" altLang="en-US" sz="1500" b="1" spc="-60" dirty="0">
                 <a:solidFill>
                   <a:schemeClr val="tx1">
                     <a:lumMod val="65000"/>
@@ -12318,7 +11699,7 @@
               <a:t>휴양</a:t>
             </a:r>
             <a:r>
-              <a:rPr lang="en-US" altLang="ko-KR" sz="1500" b="1" spc="-60" dirty="0" smtClean="0">
+              <a:rPr lang="en-US" altLang="ko-KR" sz="1500" b="1" spc="-60" dirty="0">
                 <a:solidFill>
                   <a:schemeClr val="tx1">
                     <a:lumMod val="65000"/>
@@ -12330,7 +11711,7 @@
               <a:t>, </a:t>
             </a:r>
             <a:r>
-              <a:rPr lang="ko-KR" altLang="en-US" sz="1500" b="1" spc="-60" dirty="0" smtClean="0">
+              <a:rPr lang="ko-KR" altLang="en-US" sz="1500" b="1" spc="-60" dirty="0">
                 <a:solidFill>
                   <a:schemeClr val="tx1">
                     <a:lumMod val="65000"/>
@@ -12342,7 +11723,7 @@
               <a:t>쇼핑</a:t>
             </a:r>
             <a:r>
-              <a:rPr lang="en-US" altLang="ko-KR" sz="1500" b="1" spc="-60" dirty="0" smtClean="0">
+              <a:rPr lang="en-US" altLang="ko-KR" sz="1500" b="1" spc="-60" dirty="0">
                 <a:solidFill>
                   <a:schemeClr val="tx1">
                     <a:lumMod val="65000"/>
@@ -12354,7 +11735,7 @@
               <a:t>, </a:t>
             </a:r>
             <a:r>
-              <a:rPr lang="ko-KR" altLang="en-US" sz="1500" b="1" spc="-60" dirty="0" smtClean="0">
+              <a:rPr lang="ko-KR" altLang="en-US" sz="1500" b="1" spc="-60" dirty="0">
                 <a:solidFill>
                   <a:schemeClr val="tx1">
                     <a:lumMod val="65000"/>
@@ -12365,7 +11746,7 @@
               </a:rPr>
               <a:t>레저 등 여행지의 특성을 나타내는 키워드 도출</a:t>
             </a:r>
-            <a:endParaRPr lang="en-US" altLang="ko-KR" sz="1500" b="1" spc="-60" dirty="0" smtClean="0">
+            <a:endParaRPr lang="en-US" altLang="ko-KR" sz="1500" b="1" spc="-60" dirty="0">
               <a:solidFill>
                 <a:schemeClr val="tx1">
                   <a:lumMod val="65000"/>
@@ -12382,7 +11763,7 @@
           <p:cNvPr id="13" name="제목 5">
             <a:extLst>
               <a:ext uri="{FF2B5EF4-FFF2-40B4-BE49-F238E27FC236}">
-                <a16:creationId xmlns:a16="http://schemas.microsoft.com/office/drawing/2014/main" xmlns="" id="{F857FEE6-CE74-4372-A25E-EBDAEF626DA7}"/>
+                <a16:creationId xmlns:a16="http://schemas.microsoft.com/office/drawing/2014/main" id="{F857FEE6-CE74-4372-A25E-EBDAEF626DA7}"/>
               </a:ext>
             </a:extLst>
           </p:cNvPr>
@@ -12493,10 +11874,10 @@
                 <a:ea typeface="Microsoft GothicNeo" panose="020B0500000101010101" pitchFamily="50" charset="-127"/>
                 <a:cs typeface="Microsoft GothicNeo" panose="020B0500000101010101" pitchFamily="50" charset="-127"/>
               </a:rPr>
-              <a:t>2</a:t>
-            </a:r>
-            <a:r>
-              <a:rPr lang="en-US" altLang="ko-KR" sz="2000" dirty="0" smtClean="0">
+              <a:t>2 I </a:t>
+            </a:r>
+            <a:r>
+              <a:rPr lang="ko-KR" altLang="en-US" sz="2000" dirty="0">
                 <a:solidFill>
                   <a:schemeClr val="bg1"/>
                 </a:solidFill>
@@ -12504,7 +11885,7 @@
                 <a:ea typeface="Microsoft GothicNeo" panose="020B0500000101010101" pitchFamily="50" charset="-127"/>
                 <a:cs typeface="Microsoft GothicNeo" panose="020B0500000101010101" pitchFamily="50" charset="-127"/>
               </a:rPr>
-              <a:t> </a:t>
+              <a:t>여행지 추천 방법</a:t>
             </a:r>
             <a:r>
               <a:rPr lang="en-US" altLang="ko-KR" sz="2000" dirty="0">
@@ -12515,10 +11896,10 @@
                 <a:ea typeface="Microsoft GothicNeo" panose="020B0500000101010101" pitchFamily="50" charset="-127"/>
                 <a:cs typeface="Microsoft GothicNeo" panose="020B0500000101010101" pitchFamily="50" charset="-127"/>
               </a:rPr>
-              <a:t>I </a:t>
-            </a:r>
-            <a:r>
-              <a:rPr lang="ko-KR" altLang="en-US" sz="2000" dirty="0" smtClean="0">
+              <a:t> – </a:t>
+            </a:r>
+            <a:r>
+              <a:rPr lang="ko-KR" altLang="en-US" sz="2000" dirty="0">
                 <a:solidFill>
                   <a:schemeClr val="bg1"/>
                 </a:solidFill>
@@ -12526,7 +11907,7 @@
                 <a:ea typeface="Microsoft GothicNeo" panose="020B0500000101010101" pitchFamily="50" charset="-127"/>
                 <a:cs typeface="Microsoft GothicNeo" panose="020B0500000101010101" pitchFamily="50" charset="-127"/>
               </a:rPr>
-              <a:t>여행지 추천 방법</a:t>
+              <a:t>유사도 분석</a:t>
             </a:r>
             <a:r>
               <a:rPr lang="en-US" altLang="ko-KR" sz="2000" dirty="0">
@@ -12537,51 +11918,7 @@
                 <a:ea typeface="Microsoft GothicNeo" panose="020B0500000101010101" pitchFamily="50" charset="-127"/>
                 <a:cs typeface="Microsoft GothicNeo" panose="020B0500000101010101" pitchFamily="50" charset="-127"/>
               </a:rPr>
-              <a:t> </a:t>
-            </a:r>
-            <a:r>
-              <a:rPr lang="en-US" altLang="ko-KR" sz="2000" dirty="0" smtClean="0">
-                <a:solidFill>
-                  <a:schemeClr val="bg1"/>
-                </a:solidFill>
-                <a:latin typeface="Microsoft GothicNeo" panose="020B0500000101010101" pitchFamily="50" charset="-127"/>
-                <a:ea typeface="Microsoft GothicNeo" panose="020B0500000101010101" pitchFamily="50" charset="-127"/>
-                <a:cs typeface="Microsoft GothicNeo" panose="020B0500000101010101" pitchFamily="50" charset="-127"/>
-              </a:rPr>
-              <a:t>– </a:t>
-            </a:r>
-            <a:r>
-              <a:rPr lang="ko-KR" altLang="en-US" sz="2000" dirty="0" smtClean="0">
-                <a:solidFill>
-                  <a:schemeClr val="bg1"/>
-                </a:solidFill>
-                <a:latin typeface="Microsoft GothicNeo" panose="020B0500000101010101" pitchFamily="50" charset="-127"/>
-                <a:ea typeface="Microsoft GothicNeo" panose="020B0500000101010101" pitchFamily="50" charset="-127"/>
-                <a:cs typeface="Microsoft GothicNeo" panose="020B0500000101010101" pitchFamily="50" charset="-127"/>
-              </a:rPr>
-              <a:t>유사도 분석</a:t>
-            </a:r>
-            <a:r>
-              <a:rPr lang="en-US" altLang="ko-KR" sz="2000" dirty="0">
-                <a:solidFill>
-                  <a:schemeClr val="bg1"/>
-                </a:solidFill>
-                <a:latin typeface="Microsoft GothicNeo" panose="020B0500000101010101" pitchFamily="50" charset="-127"/>
-                <a:ea typeface="Microsoft GothicNeo" panose="020B0500000101010101" pitchFamily="50" charset="-127"/>
-                <a:cs typeface="Microsoft GothicNeo" panose="020B0500000101010101" pitchFamily="50" charset="-127"/>
-              </a:rPr>
-              <a:t> </a:t>
-            </a:r>
-            <a:r>
-              <a:rPr lang="en-US" altLang="ko-KR" sz="2000" dirty="0" smtClean="0">
-                <a:solidFill>
-                  <a:schemeClr val="bg1"/>
-                </a:solidFill>
-                <a:latin typeface="Microsoft GothicNeo" panose="020B0500000101010101" pitchFamily="50" charset="-127"/>
-                <a:ea typeface="Microsoft GothicNeo" panose="020B0500000101010101" pitchFamily="50" charset="-127"/>
-                <a:cs typeface="Microsoft GothicNeo" panose="020B0500000101010101" pitchFamily="50" charset="-127"/>
-              </a:rPr>
-              <a:t>2</a:t>
+              <a:t> 2</a:t>
             </a:r>
             <a:endParaRPr lang="ko-KR" altLang="en-US" sz="2000" dirty="0">
               <a:solidFill>
@@ -12604,13 +11941,6 @@
   <p:clrMapOvr>
     <a:masterClrMapping/>
   </p:clrMapOvr>
-  <p:timing>
-    <p:tnLst>
-      <p:par>
-        <p:cTn id="1" dur="indefinite" restart="never" nodeType="tmRoot"/>
-      </p:par>
-    </p:tnLst>
-  </p:timing>
 </p:sld>
 </file>
 
